--- a/Document/Rabbit_Tutorial.pptx
+++ b/Document/Rabbit_Tutorial.pptx
@@ -6,6 +6,7 @@
   </p:sldMasterIdLst>
   <p:sldIdLst>
     <p:sldId id="256" r:id="rId2"/>
+    <p:sldId id="257" r:id="rId3"/>
   </p:sldIdLst>
   <p:sldSz cx="12192000" cy="6858000"/>
   <p:notesSz cx="6858000" cy="9144000"/>
@@ -104,6 +105,11 @@
       </a:defRPr>
     </a:lvl9pPr>
   </p:defaultTextStyle>
+  <p:extLst>
+    <p:ext uri="{EFAFB233-063F-42B5-8137-9DF3F51BA10A}">
+      <p15:sldGuideLst xmlns:p15="http://schemas.microsoft.com/office/powerpoint/2012/main"/>
+    </p:ext>
+  </p:extLst>
 </p:presentation>
 </file>
 
@@ -258,7 +264,7 @@
           <a:p>
             <a:fld id="{1A06FA0B-CFBE-429B-8CB7-21045D9DF691}" type="datetimeFigureOut">
               <a:rPr lang="en-US" smtClean="0"/>
-              <a:t>7/21/2017</a:t>
+              <a:t>7/22/2017</a:t>
             </a:fld>
             <a:endParaRPr lang="en-US"/>
           </a:p>
@@ -456,7 +462,7 @@
           <a:p>
             <a:fld id="{1A06FA0B-CFBE-429B-8CB7-21045D9DF691}" type="datetimeFigureOut">
               <a:rPr lang="en-US" smtClean="0"/>
-              <a:t>7/21/2017</a:t>
+              <a:t>7/22/2017</a:t>
             </a:fld>
             <a:endParaRPr lang="en-US"/>
           </a:p>
@@ -664,7 +670,7 @@
           <a:p>
             <a:fld id="{1A06FA0B-CFBE-429B-8CB7-21045D9DF691}" type="datetimeFigureOut">
               <a:rPr lang="en-US" smtClean="0"/>
-              <a:t>7/21/2017</a:t>
+              <a:t>7/22/2017</a:t>
             </a:fld>
             <a:endParaRPr lang="en-US"/>
           </a:p>
@@ -862,7 +868,7 @@
           <a:p>
             <a:fld id="{1A06FA0B-CFBE-429B-8CB7-21045D9DF691}" type="datetimeFigureOut">
               <a:rPr lang="en-US" smtClean="0"/>
-              <a:t>7/21/2017</a:t>
+              <a:t>7/22/2017</a:t>
             </a:fld>
             <a:endParaRPr lang="en-US"/>
           </a:p>
@@ -1137,7 +1143,7 @@
           <a:p>
             <a:fld id="{1A06FA0B-CFBE-429B-8CB7-21045D9DF691}" type="datetimeFigureOut">
               <a:rPr lang="en-US" smtClean="0"/>
-              <a:t>7/21/2017</a:t>
+              <a:t>7/22/2017</a:t>
             </a:fld>
             <a:endParaRPr lang="en-US"/>
           </a:p>
@@ -1402,7 +1408,7 @@
           <a:p>
             <a:fld id="{1A06FA0B-CFBE-429B-8CB7-21045D9DF691}" type="datetimeFigureOut">
               <a:rPr lang="en-US" smtClean="0"/>
-              <a:t>7/21/2017</a:t>
+              <a:t>7/22/2017</a:t>
             </a:fld>
             <a:endParaRPr lang="en-US"/>
           </a:p>
@@ -1814,7 +1820,7 @@
           <a:p>
             <a:fld id="{1A06FA0B-CFBE-429B-8CB7-21045D9DF691}" type="datetimeFigureOut">
               <a:rPr lang="en-US" smtClean="0"/>
-              <a:t>7/21/2017</a:t>
+              <a:t>7/22/2017</a:t>
             </a:fld>
             <a:endParaRPr lang="en-US"/>
           </a:p>
@@ -1955,7 +1961,7 @@
           <a:p>
             <a:fld id="{1A06FA0B-CFBE-429B-8CB7-21045D9DF691}" type="datetimeFigureOut">
               <a:rPr lang="en-US" smtClean="0"/>
-              <a:t>7/21/2017</a:t>
+              <a:t>7/22/2017</a:t>
             </a:fld>
             <a:endParaRPr lang="en-US"/>
           </a:p>
@@ -2068,7 +2074,7 @@
           <a:p>
             <a:fld id="{1A06FA0B-CFBE-429B-8CB7-21045D9DF691}" type="datetimeFigureOut">
               <a:rPr lang="en-US" smtClean="0"/>
-              <a:t>7/21/2017</a:t>
+              <a:t>7/22/2017</a:t>
             </a:fld>
             <a:endParaRPr lang="en-US"/>
           </a:p>
@@ -2379,7 +2385,7 @@
           <a:p>
             <a:fld id="{1A06FA0B-CFBE-429B-8CB7-21045D9DF691}" type="datetimeFigureOut">
               <a:rPr lang="en-US" smtClean="0"/>
-              <a:t>7/21/2017</a:t>
+              <a:t>7/22/2017</a:t>
             </a:fld>
             <a:endParaRPr lang="en-US"/>
           </a:p>
@@ -2667,7 +2673,7 @@
           <a:p>
             <a:fld id="{1A06FA0B-CFBE-429B-8CB7-21045D9DF691}" type="datetimeFigureOut">
               <a:rPr lang="en-US" smtClean="0"/>
-              <a:t>7/21/2017</a:t>
+              <a:t>7/22/2017</a:t>
             </a:fld>
             <a:endParaRPr lang="en-US"/>
           </a:p>
@@ -2908,7 +2914,7 @@
           <a:p>
             <a:fld id="{1A06FA0B-CFBE-429B-8CB7-21045D9DF691}" type="datetimeFigureOut">
               <a:rPr lang="en-US" smtClean="0"/>
-              <a:t>7/21/2017</a:t>
+              <a:t>7/22/2017</a:t>
             </a:fld>
             <a:endParaRPr lang="en-US"/>
           </a:p>
@@ -3682,7 +3688,7 @@
         <p:spPr>
           <a:xfrm>
             <a:off x="6568580" y="1090569"/>
-            <a:ext cx="1560352" cy="1258349"/>
+            <a:ext cx="1795244" cy="1258349"/>
           </a:xfrm>
           <a:prstGeom prst="wedgeEllipseCallout">
             <a:avLst/>
@@ -3711,7 +3717,7 @@
             <a:pPr algn="ctr"/>
             <a:r>
               <a:rPr lang="en-US" dirty="0"/>
-              <a:t>Try to HIT these cubes</a:t>
+              <a:t>Try to BEAT these cubes</a:t>
             </a:r>
           </a:p>
         </p:txBody>
@@ -3720,6 +3726,1221 @@
     <p:extLst>
       <p:ext uri="{BB962C8B-B14F-4D97-AF65-F5344CB8AC3E}">
         <p14:creationId xmlns:p14="http://schemas.microsoft.com/office/powerpoint/2010/main" val="4105866294"/>
+      </p:ext>
+    </p:extLst>
+  </p:cSld>
+  <p:clrMapOvr>
+    <a:masterClrMapping/>
+  </p:clrMapOvr>
+</p:sld>
+</file>
+
+<file path=ppt/slides/slide2.xml><?xml version="1.0" encoding="utf-8"?>
+<p:sld xmlns:a="http://schemas.openxmlformats.org/drawingml/2006/main" xmlns:r="http://schemas.openxmlformats.org/officeDocument/2006/relationships" xmlns:p="http://schemas.openxmlformats.org/presentationml/2006/main">
+  <p:cSld>
+    <p:spTree>
+      <p:nvGrpSpPr>
+        <p:cNvPr id="1" name=""/>
+        <p:cNvGrpSpPr/>
+        <p:nvPr/>
+      </p:nvGrpSpPr>
+      <p:grpSpPr>
+        <a:xfrm>
+          <a:off x="0" y="0"/>
+          <a:ext cx="0" cy="0"/>
+          <a:chOff x="0" y="0"/>
+          <a:chExt cx="0" cy="0"/>
+        </a:xfrm>
+      </p:grpSpPr>
+      <p:sp>
+        <p:nvSpPr>
+          <p:cNvPr id="11" name="Rectangle 10">
+            <a:extLst>
+              <a:ext uri="{FF2B5EF4-FFF2-40B4-BE49-F238E27FC236}">
+                <a16:creationId xmlns:a16="http://schemas.microsoft.com/office/drawing/2014/main" id="{0C557079-7C99-492F-BE2B-DFD467F584AF}"/>
+              </a:ext>
+            </a:extLst>
+          </p:cNvPr>
+          <p:cNvSpPr/>
+          <p:nvPr/>
+        </p:nvSpPr>
+        <p:spPr>
+          <a:xfrm>
+            <a:off x="-1130679" y="-207329"/>
+            <a:ext cx="12531012" cy="7660433"/>
+          </a:xfrm>
+          <a:prstGeom prst="rect">
+            <a:avLst/>
+          </a:prstGeom>
+        </p:spPr>
+        <p:style>
+          <a:lnRef idx="2">
+            <a:schemeClr val="accent1">
+              <a:shade val="50000"/>
+            </a:schemeClr>
+          </a:lnRef>
+          <a:fillRef idx="1">
+            <a:schemeClr val="accent1"/>
+          </a:fillRef>
+          <a:effectRef idx="0">
+            <a:schemeClr val="accent1"/>
+          </a:effectRef>
+          <a:fontRef idx="minor">
+            <a:schemeClr val="lt1"/>
+          </a:fontRef>
+        </p:style>
+        <p:txBody>
+          <a:bodyPr rtlCol="0" anchor="ctr"/>
+          <a:lstStyle/>
+          <a:p>
+            <a:pPr algn="ctr"/>
+            <a:endParaRPr lang="en-US"/>
+          </a:p>
+        </p:txBody>
+      </p:sp>
+      <p:sp>
+        <p:nvSpPr>
+          <p:cNvPr id="4" name="Rectangle: Rounded Corners 3">
+            <a:extLst>
+              <a:ext uri="{FF2B5EF4-FFF2-40B4-BE49-F238E27FC236}">
+                <a16:creationId xmlns:a16="http://schemas.microsoft.com/office/drawing/2014/main" id="{53870844-C2D8-4E96-8FCF-35B9B934CF7E}"/>
+              </a:ext>
+            </a:extLst>
+          </p:cNvPr>
+          <p:cNvSpPr/>
+          <p:nvPr/>
+        </p:nvSpPr>
+        <p:spPr>
+          <a:xfrm>
+            <a:off x="1300294" y="1149293"/>
+            <a:ext cx="620785" cy="620785"/>
+          </a:xfrm>
+          <a:prstGeom prst="roundRect">
+            <a:avLst/>
+          </a:prstGeom>
+          <a:solidFill>
+            <a:schemeClr val="bg1">
+              <a:lumMod val="65000"/>
+            </a:schemeClr>
+          </a:solidFill>
+          <a:ln>
+            <a:noFill/>
+          </a:ln>
+        </p:spPr>
+        <p:style>
+          <a:lnRef idx="3">
+            <a:schemeClr val="lt1"/>
+          </a:lnRef>
+          <a:fillRef idx="1">
+            <a:schemeClr val="accent3"/>
+          </a:fillRef>
+          <a:effectRef idx="1">
+            <a:schemeClr val="accent3"/>
+          </a:effectRef>
+          <a:fontRef idx="minor">
+            <a:schemeClr val="lt1"/>
+          </a:fontRef>
+        </p:style>
+        <p:txBody>
+          <a:bodyPr rtlCol="0" anchor="ctr"/>
+          <a:lstStyle/>
+          <a:p>
+            <a:pPr algn="ctr"/>
+            <a:endParaRPr lang="en-US"/>
+          </a:p>
+        </p:txBody>
+      </p:sp>
+      <p:pic>
+        <p:nvPicPr>
+          <p:cNvPr id="6" name="Graphic 5" descr="Refresh">
+            <a:extLst>
+              <a:ext uri="{FF2B5EF4-FFF2-40B4-BE49-F238E27FC236}">
+                <a16:creationId xmlns:a16="http://schemas.microsoft.com/office/drawing/2014/main" id="{4F2ACA63-E744-4E96-AE01-FAD789105DE0}"/>
+              </a:ext>
+            </a:extLst>
+          </p:cNvPr>
+          <p:cNvPicPr>
+            <a:picLocks noChangeAspect="1"/>
+          </p:cNvPicPr>
+          <p:nvPr/>
+        </p:nvPicPr>
+        <p:blipFill>
+          <a:blip r:embed="rId2">
+            <a:extLst>
+              <a:ext uri="{28A0092B-C50C-407E-A947-70E740481C1C}">
+                <a14:useLocalDpi xmlns:a14="http://schemas.microsoft.com/office/drawing/2010/main" val="0"/>
+              </a:ext>
+              <a:ext uri="{96DAC541-7B7A-43D3-8B79-37D633B846F1}">
+                <asvg:svgBlip xmlns:asvg="http://schemas.microsoft.com/office/drawing/2016/SVG/main" r:embed="rId3"/>
+              </a:ext>
+            </a:extLst>
+          </a:blip>
+          <a:stretch>
+            <a:fillRect/>
+          </a:stretch>
+        </p:blipFill>
+        <p:spPr>
+          <a:xfrm>
+            <a:off x="1354394" y="1203393"/>
+            <a:ext cx="512584" cy="512584"/>
+          </a:xfrm>
+          <a:prstGeom prst="rect">
+            <a:avLst/>
+          </a:prstGeom>
+        </p:spPr>
+      </p:pic>
+      <p:sp>
+        <p:nvSpPr>
+          <p:cNvPr id="7" name="Rectangle: Rounded Corners 6">
+            <a:extLst>
+              <a:ext uri="{FF2B5EF4-FFF2-40B4-BE49-F238E27FC236}">
+                <a16:creationId xmlns:a16="http://schemas.microsoft.com/office/drawing/2014/main" id="{E2601FDD-92D7-4698-A905-33C2DB742E62}"/>
+              </a:ext>
+            </a:extLst>
+          </p:cNvPr>
+          <p:cNvSpPr/>
+          <p:nvPr/>
+        </p:nvSpPr>
+        <p:spPr>
+          <a:xfrm>
+            <a:off x="3416961" y="1956449"/>
+            <a:ext cx="1243584" cy="620785"/>
+          </a:xfrm>
+          <a:prstGeom prst="roundRect">
+            <a:avLst/>
+          </a:prstGeom>
+          <a:ln/>
+        </p:spPr>
+        <p:style>
+          <a:lnRef idx="3">
+            <a:schemeClr val="lt1"/>
+          </a:lnRef>
+          <a:fillRef idx="1">
+            <a:schemeClr val="accent3"/>
+          </a:fillRef>
+          <a:effectRef idx="1">
+            <a:schemeClr val="accent3"/>
+          </a:effectRef>
+          <a:fontRef idx="minor">
+            <a:schemeClr val="lt1"/>
+          </a:fontRef>
+        </p:style>
+        <p:txBody>
+          <a:bodyPr rtlCol="0" anchor="ctr"/>
+          <a:lstStyle/>
+          <a:p>
+            <a:pPr algn="ctr"/>
+            <a:endParaRPr lang="en-US"/>
+          </a:p>
+        </p:txBody>
+      </p:sp>
+      <p:sp>
+        <p:nvSpPr>
+          <p:cNvPr id="9" name="Arrow: Chevron 8">
+            <a:extLst>
+              <a:ext uri="{FF2B5EF4-FFF2-40B4-BE49-F238E27FC236}">
+                <a16:creationId xmlns:a16="http://schemas.microsoft.com/office/drawing/2014/main" id="{6005857D-74C7-4EFE-B9F9-61801B9EBBAA}"/>
+              </a:ext>
+            </a:extLst>
+          </p:cNvPr>
+          <p:cNvSpPr/>
+          <p:nvPr/>
+        </p:nvSpPr>
+        <p:spPr>
+          <a:xfrm rot="5400000">
+            <a:off x="3954086" y="1954897"/>
+            <a:ext cx="169333" cy="699911"/>
+          </a:xfrm>
+          <a:prstGeom prst="chevron">
+            <a:avLst/>
+          </a:prstGeom>
+          <a:solidFill>
+            <a:schemeClr val="bg1"/>
+          </a:solidFill>
+          <a:ln>
+            <a:noFill/>
+          </a:ln>
+        </p:spPr>
+        <p:style>
+          <a:lnRef idx="2">
+            <a:schemeClr val="accent6">
+              <a:shade val="50000"/>
+            </a:schemeClr>
+          </a:lnRef>
+          <a:fillRef idx="1">
+            <a:schemeClr val="accent6"/>
+          </a:fillRef>
+          <a:effectRef idx="0">
+            <a:schemeClr val="accent6"/>
+          </a:effectRef>
+          <a:fontRef idx="minor">
+            <a:schemeClr val="lt1"/>
+          </a:fontRef>
+        </p:style>
+        <p:txBody>
+          <a:bodyPr rot="0" spcFirstLastPara="0" vertOverflow="overflow" horzOverflow="overflow" vert="horz" wrap="square" lIns="91440" tIns="45720" rIns="91440" bIns="45720" numCol="1" spcCol="0" rtlCol="0" fromWordArt="0" anchor="ctr" anchorCtr="0" forceAA="0" compatLnSpc="1">
+            <a:prstTxWarp prst="textNoShape">
+              <a:avLst/>
+            </a:prstTxWarp>
+            <a:noAutofit/>
+          </a:bodyPr>
+          <a:lstStyle/>
+          <a:p>
+            <a:pPr algn="ctr"/>
+            <a:endParaRPr lang="en-US" b="1">
+              <a:ln w="22225">
+                <a:solidFill>
+                  <a:schemeClr val="accent2"/>
+                </a:solidFill>
+                <a:prstDash val="solid"/>
+              </a:ln>
+              <a:solidFill>
+                <a:schemeClr val="bg1">
+                  <a:lumMod val="95000"/>
+                </a:schemeClr>
+              </a:solidFill>
+            </a:endParaRPr>
+          </a:p>
+        </p:txBody>
+      </p:sp>
+      <p:sp>
+        <p:nvSpPr>
+          <p:cNvPr id="10" name="Arrow: Chevron 9">
+            <a:extLst>
+              <a:ext uri="{FF2B5EF4-FFF2-40B4-BE49-F238E27FC236}">
+                <a16:creationId xmlns:a16="http://schemas.microsoft.com/office/drawing/2014/main" id="{B455A744-7957-474A-A3FC-CDBA7E37DD3D}"/>
+              </a:ext>
+            </a:extLst>
+          </p:cNvPr>
+          <p:cNvSpPr/>
+          <p:nvPr/>
+        </p:nvSpPr>
+        <p:spPr>
+          <a:xfrm rot="5400000">
+            <a:off x="5963278" y="3702831"/>
+            <a:ext cx="169333" cy="699911"/>
+          </a:xfrm>
+          <a:prstGeom prst="chevron">
+            <a:avLst/>
+          </a:prstGeom>
+          <a:solidFill>
+            <a:schemeClr val="bg1"/>
+          </a:solidFill>
+          <a:ln>
+            <a:noFill/>
+          </a:ln>
+        </p:spPr>
+        <p:style>
+          <a:lnRef idx="2">
+            <a:schemeClr val="accent6">
+              <a:shade val="50000"/>
+            </a:schemeClr>
+          </a:lnRef>
+          <a:fillRef idx="1">
+            <a:schemeClr val="accent6"/>
+          </a:fillRef>
+          <a:effectRef idx="0">
+            <a:schemeClr val="accent6"/>
+          </a:effectRef>
+          <a:fontRef idx="minor">
+            <a:schemeClr val="lt1"/>
+          </a:fontRef>
+        </p:style>
+        <p:txBody>
+          <a:bodyPr rot="0" spcFirstLastPara="0" vertOverflow="overflow" horzOverflow="overflow" vert="horz" wrap="square" lIns="91440" tIns="45720" rIns="91440" bIns="45720" numCol="1" spcCol="0" rtlCol="0" fromWordArt="0" anchor="ctr" anchorCtr="0" forceAA="0" compatLnSpc="1">
+            <a:prstTxWarp prst="textNoShape">
+              <a:avLst/>
+            </a:prstTxWarp>
+            <a:noAutofit/>
+          </a:bodyPr>
+          <a:lstStyle/>
+          <a:p>
+            <a:pPr algn="ctr"/>
+            <a:endParaRPr lang="en-US" b="1">
+              <a:ln w="22225">
+                <a:solidFill>
+                  <a:schemeClr val="accent2"/>
+                </a:solidFill>
+                <a:prstDash val="solid"/>
+              </a:ln>
+              <a:solidFill>
+                <a:schemeClr val="bg1">
+                  <a:lumMod val="95000"/>
+                </a:schemeClr>
+              </a:solidFill>
+            </a:endParaRPr>
+          </a:p>
+        </p:txBody>
+      </p:sp>
+      <p:sp>
+        <p:nvSpPr>
+          <p:cNvPr id="12" name="Arrow: Chevron 11">
+            <a:extLst>
+              <a:ext uri="{FF2B5EF4-FFF2-40B4-BE49-F238E27FC236}">
+                <a16:creationId xmlns:a16="http://schemas.microsoft.com/office/drawing/2014/main" id="{D3AF3470-6151-493F-9264-FB895866C069}"/>
+              </a:ext>
+            </a:extLst>
+          </p:cNvPr>
+          <p:cNvSpPr/>
+          <p:nvPr/>
+        </p:nvSpPr>
+        <p:spPr>
+          <a:xfrm>
+            <a:off x="961053" y="2855167"/>
+            <a:ext cx="167951" cy="1287625"/>
+          </a:xfrm>
+          <a:prstGeom prst="chevron">
+            <a:avLst/>
+          </a:prstGeom>
+          <a:solidFill>
+            <a:schemeClr val="bg1"/>
+          </a:solidFill>
+          <a:ln>
+            <a:noFill/>
+          </a:ln>
+        </p:spPr>
+        <p:style>
+          <a:lnRef idx="2">
+            <a:schemeClr val="accent1">
+              <a:shade val="50000"/>
+            </a:schemeClr>
+          </a:lnRef>
+          <a:fillRef idx="1">
+            <a:schemeClr val="accent1"/>
+          </a:fillRef>
+          <a:effectRef idx="0">
+            <a:schemeClr val="accent1"/>
+          </a:effectRef>
+          <a:fontRef idx="minor">
+            <a:schemeClr val="lt1"/>
+          </a:fontRef>
+        </p:style>
+        <p:txBody>
+          <a:bodyPr rtlCol="0" anchor="ctr"/>
+          <a:lstStyle/>
+          <a:p>
+            <a:pPr algn="ctr"/>
+            <a:endParaRPr lang="en-US">
+              <a:solidFill>
+                <a:schemeClr val="tx1"/>
+              </a:solidFill>
+            </a:endParaRPr>
+          </a:p>
+        </p:txBody>
+      </p:sp>
+      <p:sp>
+        <p:nvSpPr>
+          <p:cNvPr id="13" name="Rectangle: Rounded Corners 12">
+            <a:extLst>
+              <a:ext uri="{FF2B5EF4-FFF2-40B4-BE49-F238E27FC236}">
+                <a16:creationId xmlns:a16="http://schemas.microsoft.com/office/drawing/2014/main" id="{9039ED95-92C9-4F6E-817D-F9663D18EE49}"/>
+              </a:ext>
+            </a:extLst>
+          </p:cNvPr>
+          <p:cNvSpPr/>
+          <p:nvPr/>
+        </p:nvSpPr>
+        <p:spPr>
+          <a:xfrm>
+            <a:off x="2581583" y="4360982"/>
+            <a:ext cx="620785" cy="620785"/>
+          </a:xfrm>
+          <a:prstGeom prst="roundRect">
+            <a:avLst/>
+          </a:prstGeom>
+          <a:solidFill>
+            <a:schemeClr val="bg1"/>
+          </a:solidFill>
+          <a:ln>
+            <a:noFill/>
+          </a:ln>
+        </p:spPr>
+        <p:style>
+          <a:lnRef idx="3">
+            <a:schemeClr val="lt1"/>
+          </a:lnRef>
+          <a:fillRef idx="1">
+            <a:schemeClr val="accent3"/>
+          </a:fillRef>
+          <a:effectRef idx="1">
+            <a:schemeClr val="accent3"/>
+          </a:effectRef>
+          <a:fontRef idx="minor">
+            <a:schemeClr val="lt1"/>
+          </a:fontRef>
+        </p:style>
+        <p:txBody>
+          <a:bodyPr rtlCol="0" anchor="ctr"/>
+          <a:lstStyle/>
+          <a:p>
+            <a:pPr algn="ctr"/>
+            <a:endParaRPr lang="en-US"/>
+          </a:p>
+        </p:txBody>
+      </p:sp>
+      <p:pic>
+        <p:nvPicPr>
+          <p:cNvPr id="14" name="Graphic 13" descr="Refresh">
+            <a:extLst>
+              <a:ext uri="{FF2B5EF4-FFF2-40B4-BE49-F238E27FC236}">
+                <a16:creationId xmlns:a16="http://schemas.microsoft.com/office/drawing/2014/main" id="{1EEF3358-0F04-486A-9D02-5A02F24BF019}"/>
+              </a:ext>
+            </a:extLst>
+          </p:cNvPr>
+          <p:cNvPicPr>
+            <a:picLocks noChangeAspect="1"/>
+          </p:cNvPicPr>
+          <p:nvPr/>
+        </p:nvPicPr>
+        <p:blipFill>
+          <a:blip r:embed="rId4">
+            <a:extLst>
+              <a:ext uri="{28A0092B-C50C-407E-A947-70E740481C1C}">
+                <a14:useLocalDpi xmlns:a14="http://schemas.microsoft.com/office/drawing/2010/main" val="0"/>
+              </a:ext>
+              <a:ext uri="{96DAC541-7B7A-43D3-8B79-37D633B846F1}">
+                <asvg:svgBlip xmlns:asvg="http://schemas.microsoft.com/office/drawing/2016/SVG/main" r:embed="rId5"/>
+              </a:ext>
+            </a:extLst>
+          </a:blip>
+          <a:stretch>
+            <a:fillRect/>
+          </a:stretch>
+        </p:blipFill>
+        <p:spPr>
+          <a:xfrm>
+            <a:off x="2635683" y="4415082"/>
+            <a:ext cx="512584" cy="512584"/>
+          </a:xfrm>
+          <a:prstGeom prst="rect">
+            <a:avLst/>
+          </a:prstGeom>
+        </p:spPr>
+      </p:pic>
+      <p:sp>
+        <p:nvSpPr>
+          <p:cNvPr id="15" name="Rectangle: Rounded Corners 14">
+            <a:extLst>
+              <a:ext uri="{FF2B5EF4-FFF2-40B4-BE49-F238E27FC236}">
+                <a16:creationId xmlns:a16="http://schemas.microsoft.com/office/drawing/2014/main" id="{8D382A48-BDA2-44DC-B8D0-0E7E3D496528}"/>
+              </a:ext>
+            </a:extLst>
+          </p:cNvPr>
+          <p:cNvSpPr/>
+          <p:nvPr/>
+        </p:nvSpPr>
+        <p:spPr>
+          <a:xfrm>
+            <a:off x="6561507" y="5120341"/>
+            <a:ext cx="620785" cy="620785"/>
+          </a:xfrm>
+          <a:prstGeom prst="roundRect">
+            <a:avLst/>
+          </a:prstGeom>
+          <a:solidFill>
+            <a:schemeClr val="bg1">
+              <a:lumMod val="65000"/>
+            </a:schemeClr>
+          </a:solidFill>
+          <a:ln>
+            <a:noFill/>
+          </a:ln>
+        </p:spPr>
+        <p:style>
+          <a:lnRef idx="3">
+            <a:schemeClr val="lt1"/>
+          </a:lnRef>
+          <a:fillRef idx="1">
+            <a:schemeClr val="accent3"/>
+          </a:fillRef>
+          <a:effectRef idx="1">
+            <a:schemeClr val="accent3"/>
+          </a:effectRef>
+          <a:fontRef idx="minor">
+            <a:schemeClr val="lt1"/>
+          </a:fontRef>
+        </p:style>
+        <p:txBody>
+          <a:bodyPr rtlCol="0" anchor="ctr"/>
+          <a:lstStyle/>
+          <a:p>
+            <a:pPr algn="ctr"/>
+            <a:endParaRPr lang="en-US"/>
+          </a:p>
+        </p:txBody>
+      </p:sp>
+      <p:sp>
+        <p:nvSpPr>
+          <p:cNvPr id="17" name="Arrow: Right 16">
+            <a:extLst>
+              <a:ext uri="{FF2B5EF4-FFF2-40B4-BE49-F238E27FC236}">
+                <a16:creationId xmlns:a16="http://schemas.microsoft.com/office/drawing/2014/main" id="{B1503C12-C6F4-4EE3-AAF2-D95969022CFC}"/>
+              </a:ext>
+            </a:extLst>
+          </p:cNvPr>
+          <p:cNvSpPr/>
+          <p:nvPr/>
+        </p:nvSpPr>
+        <p:spPr>
+          <a:xfrm rot="2700000">
+            <a:off x="4643923" y="5342944"/>
+            <a:ext cx="310393" cy="175580"/>
+          </a:xfrm>
+          <a:prstGeom prst="rightArrow">
+            <a:avLst/>
+          </a:prstGeom>
+        </p:spPr>
+        <p:style>
+          <a:lnRef idx="2">
+            <a:schemeClr val="accent1">
+              <a:shade val="50000"/>
+            </a:schemeClr>
+          </a:lnRef>
+          <a:fillRef idx="1">
+            <a:schemeClr val="accent1"/>
+          </a:fillRef>
+          <a:effectRef idx="0">
+            <a:schemeClr val="accent1"/>
+          </a:effectRef>
+          <a:fontRef idx="minor">
+            <a:schemeClr val="lt1"/>
+          </a:fontRef>
+        </p:style>
+        <p:txBody>
+          <a:bodyPr rtlCol="0" anchor="ctr"/>
+          <a:lstStyle/>
+          <a:p>
+            <a:pPr algn="ctr"/>
+            <a:endParaRPr lang="en-US"/>
+          </a:p>
+        </p:txBody>
+      </p:sp>
+      <p:sp>
+        <p:nvSpPr>
+          <p:cNvPr id="18" name="Arrow: Right 17">
+            <a:extLst>
+              <a:ext uri="{FF2B5EF4-FFF2-40B4-BE49-F238E27FC236}">
+                <a16:creationId xmlns:a16="http://schemas.microsoft.com/office/drawing/2014/main" id="{32814E52-6930-4A43-9F3A-BD98CA394B5A}"/>
+              </a:ext>
+            </a:extLst>
+          </p:cNvPr>
+          <p:cNvSpPr/>
+          <p:nvPr/>
+        </p:nvSpPr>
+        <p:spPr>
+          <a:xfrm rot="8100000">
+            <a:off x="702691" y="2595558"/>
+            <a:ext cx="310393" cy="175580"/>
+          </a:xfrm>
+          <a:prstGeom prst="rightArrow">
+            <a:avLst/>
+          </a:prstGeom>
+        </p:spPr>
+        <p:style>
+          <a:lnRef idx="2">
+            <a:schemeClr val="accent1">
+              <a:shade val="50000"/>
+            </a:schemeClr>
+          </a:lnRef>
+          <a:fillRef idx="1">
+            <a:schemeClr val="accent1"/>
+          </a:fillRef>
+          <a:effectRef idx="0">
+            <a:schemeClr val="accent1"/>
+          </a:effectRef>
+          <a:fontRef idx="minor">
+            <a:schemeClr val="lt1"/>
+          </a:fontRef>
+        </p:style>
+        <p:txBody>
+          <a:bodyPr rtlCol="0" anchor="ctr"/>
+          <a:lstStyle/>
+          <a:p>
+            <a:pPr algn="ctr"/>
+            <a:endParaRPr lang="en-US"/>
+          </a:p>
+        </p:txBody>
+      </p:sp>
+      <p:sp>
+        <p:nvSpPr>
+          <p:cNvPr id="19" name="Arrow: Down 18">
+            <a:extLst>
+              <a:ext uri="{FF2B5EF4-FFF2-40B4-BE49-F238E27FC236}">
+                <a16:creationId xmlns:a16="http://schemas.microsoft.com/office/drawing/2014/main" id="{A38AEF6F-6C5B-45D4-A535-0F0FDB181213}"/>
+              </a:ext>
+            </a:extLst>
+          </p:cNvPr>
+          <p:cNvSpPr/>
+          <p:nvPr/>
+        </p:nvSpPr>
+        <p:spPr>
+          <a:xfrm rot="2700000">
+            <a:off x="6613917" y="5498197"/>
+            <a:ext cx="164612" cy="216425"/>
+          </a:xfrm>
+          <a:prstGeom prst="downArrow">
+            <a:avLst/>
+          </a:prstGeom>
+          <a:solidFill>
+            <a:schemeClr val="bg1"/>
+          </a:solidFill>
+          <a:ln>
+            <a:noFill/>
+          </a:ln>
+        </p:spPr>
+        <p:style>
+          <a:lnRef idx="2">
+            <a:schemeClr val="accent1">
+              <a:shade val="50000"/>
+            </a:schemeClr>
+          </a:lnRef>
+          <a:fillRef idx="1">
+            <a:schemeClr val="accent1"/>
+          </a:fillRef>
+          <a:effectRef idx="0">
+            <a:schemeClr val="accent1"/>
+          </a:effectRef>
+          <a:fontRef idx="minor">
+            <a:schemeClr val="lt1"/>
+          </a:fontRef>
+        </p:style>
+        <p:txBody>
+          <a:bodyPr rtlCol="0" anchor="ctr"/>
+          <a:lstStyle/>
+          <a:p>
+            <a:pPr algn="ctr"/>
+            <a:endParaRPr lang="en-US"/>
+          </a:p>
+        </p:txBody>
+      </p:sp>
+      <p:sp>
+        <p:nvSpPr>
+          <p:cNvPr id="20" name="Arrow: Down 19">
+            <a:extLst>
+              <a:ext uri="{FF2B5EF4-FFF2-40B4-BE49-F238E27FC236}">
+                <a16:creationId xmlns:a16="http://schemas.microsoft.com/office/drawing/2014/main" id="{FA66AEFF-19C1-48FD-941E-4C59A86BD01A}"/>
+              </a:ext>
+            </a:extLst>
+          </p:cNvPr>
+          <p:cNvSpPr/>
+          <p:nvPr/>
+        </p:nvSpPr>
+        <p:spPr>
+          <a:xfrm rot="-2700000">
+            <a:off x="6965269" y="5498197"/>
+            <a:ext cx="164612" cy="216425"/>
+          </a:xfrm>
+          <a:prstGeom prst="downArrow">
+            <a:avLst/>
+          </a:prstGeom>
+          <a:solidFill>
+            <a:schemeClr val="bg1"/>
+          </a:solidFill>
+          <a:ln>
+            <a:noFill/>
+          </a:ln>
+        </p:spPr>
+        <p:style>
+          <a:lnRef idx="2">
+            <a:schemeClr val="accent1">
+              <a:shade val="50000"/>
+            </a:schemeClr>
+          </a:lnRef>
+          <a:fillRef idx="1">
+            <a:schemeClr val="accent1"/>
+          </a:fillRef>
+          <a:effectRef idx="0">
+            <a:schemeClr val="accent1"/>
+          </a:effectRef>
+          <a:fontRef idx="minor">
+            <a:schemeClr val="lt1"/>
+          </a:fontRef>
+        </p:style>
+        <p:txBody>
+          <a:bodyPr rtlCol="0" anchor="ctr"/>
+          <a:lstStyle/>
+          <a:p>
+            <a:pPr algn="ctr"/>
+            <a:endParaRPr lang="en-US"/>
+          </a:p>
+        </p:txBody>
+      </p:sp>
+      <p:sp>
+        <p:nvSpPr>
+          <p:cNvPr id="21" name="Arrow: Down 20">
+            <a:extLst>
+              <a:ext uri="{FF2B5EF4-FFF2-40B4-BE49-F238E27FC236}">
+                <a16:creationId xmlns:a16="http://schemas.microsoft.com/office/drawing/2014/main" id="{90DCFF92-C485-4EA5-BBE1-B7E020DABA59}"/>
+              </a:ext>
+            </a:extLst>
+          </p:cNvPr>
+          <p:cNvSpPr/>
+          <p:nvPr/>
+        </p:nvSpPr>
+        <p:spPr>
+          <a:xfrm rot="8100000">
+            <a:off x="6613917" y="5150704"/>
+            <a:ext cx="164612" cy="216425"/>
+          </a:xfrm>
+          <a:prstGeom prst="downArrow">
+            <a:avLst/>
+          </a:prstGeom>
+          <a:solidFill>
+            <a:schemeClr val="bg1"/>
+          </a:solidFill>
+          <a:ln>
+            <a:noFill/>
+          </a:ln>
+        </p:spPr>
+        <p:style>
+          <a:lnRef idx="2">
+            <a:schemeClr val="accent1">
+              <a:shade val="50000"/>
+            </a:schemeClr>
+          </a:lnRef>
+          <a:fillRef idx="1">
+            <a:schemeClr val="accent1"/>
+          </a:fillRef>
+          <a:effectRef idx="0">
+            <a:schemeClr val="accent1"/>
+          </a:effectRef>
+          <a:fontRef idx="minor">
+            <a:schemeClr val="lt1"/>
+          </a:fontRef>
+        </p:style>
+        <p:txBody>
+          <a:bodyPr rtlCol="0" anchor="ctr"/>
+          <a:lstStyle/>
+          <a:p>
+            <a:pPr algn="ctr"/>
+            <a:endParaRPr lang="en-US"/>
+          </a:p>
+        </p:txBody>
+      </p:sp>
+      <p:sp>
+        <p:nvSpPr>
+          <p:cNvPr id="22" name="Arrow: Down 21">
+            <a:extLst>
+              <a:ext uri="{FF2B5EF4-FFF2-40B4-BE49-F238E27FC236}">
+                <a16:creationId xmlns:a16="http://schemas.microsoft.com/office/drawing/2014/main" id="{C1B84E82-6C2F-4F7B-B0D2-10CCAF48AE08}"/>
+              </a:ext>
+            </a:extLst>
+          </p:cNvPr>
+          <p:cNvSpPr/>
+          <p:nvPr/>
+        </p:nvSpPr>
+        <p:spPr>
+          <a:xfrm rot="-8100000">
+            <a:off x="6965268" y="5150705"/>
+            <a:ext cx="164612" cy="216425"/>
+          </a:xfrm>
+          <a:prstGeom prst="downArrow">
+            <a:avLst/>
+          </a:prstGeom>
+          <a:solidFill>
+            <a:schemeClr val="bg1"/>
+          </a:solidFill>
+          <a:ln>
+            <a:noFill/>
+          </a:ln>
+        </p:spPr>
+        <p:style>
+          <a:lnRef idx="2">
+            <a:schemeClr val="accent1">
+              <a:shade val="50000"/>
+            </a:schemeClr>
+          </a:lnRef>
+          <a:fillRef idx="1">
+            <a:schemeClr val="accent1"/>
+          </a:fillRef>
+          <a:effectRef idx="0">
+            <a:schemeClr val="accent1"/>
+          </a:effectRef>
+          <a:fontRef idx="minor">
+            <a:schemeClr val="lt1"/>
+          </a:fontRef>
+        </p:style>
+        <p:txBody>
+          <a:bodyPr rtlCol="0" anchor="ctr"/>
+          <a:lstStyle/>
+          <a:p>
+            <a:pPr algn="ctr"/>
+            <a:endParaRPr lang="en-US"/>
+          </a:p>
+        </p:txBody>
+      </p:sp>
+      <p:sp>
+        <p:nvSpPr>
+          <p:cNvPr id="27" name="Rectangle: Rounded Corners 26">
+            <a:extLst>
+              <a:ext uri="{FF2B5EF4-FFF2-40B4-BE49-F238E27FC236}">
+                <a16:creationId xmlns:a16="http://schemas.microsoft.com/office/drawing/2014/main" id="{0F611A14-0149-4074-8EC4-107233475CE2}"/>
+              </a:ext>
+            </a:extLst>
+          </p:cNvPr>
+          <p:cNvSpPr/>
+          <p:nvPr/>
+        </p:nvSpPr>
+        <p:spPr>
+          <a:xfrm>
+            <a:off x="7325888" y="5113300"/>
+            <a:ext cx="620785" cy="620785"/>
+          </a:xfrm>
+          <a:prstGeom prst="roundRect">
+            <a:avLst/>
+          </a:prstGeom>
+          <a:solidFill>
+            <a:schemeClr val="bg1">
+              <a:lumMod val="65000"/>
+            </a:schemeClr>
+          </a:solidFill>
+          <a:ln>
+            <a:noFill/>
+          </a:ln>
+        </p:spPr>
+        <p:style>
+          <a:lnRef idx="3">
+            <a:schemeClr val="lt1"/>
+          </a:lnRef>
+          <a:fillRef idx="1">
+            <a:schemeClr val="accent3"/>
+          </a:fillRef>
+          <a:effectRef idx="1">
+            <a:schemeClr val="accent3"/>
+          </a:effectRef>
+          <a:fontRef idx="minor">
+            <a:schemeClr val="lt1"/>
+          </a:fontRef>
+        </p:style>
+        <p:txBody>
+          <a:bodyPr rtlCol="0" anchor="ctr"/>
+          <a:lstStyle/>
+          <a:p>
+            <a:pPr algn="ctr"/>
+            <a:endParaRPr lang="en-US"/>
+          </a:p>
+        </p:txBody>
+      </p:sp>
+      <p:sp>
+        <p:nvSpPr>
+          <p:cNvPr id="28" name="Arrow: Down 27">
+            <a:extLst>
+              <a:ext uri="{FF2B5EF4-FFF2-40B4-BE49-F238E27FC236}">
+                <a16:creationId xmlns:a16="http://schemas.microsoft.com/office/drawing/2014/main" id="{FF3ECF6D-445B-4C3C-9191-B05983BB9AF5}"/>
+              </a:ext>
+            </a:extLst>
+          </p:cNvPr>
+          <p:cNvSpPr/>
+          <p:nvPr/>
+        </p:nvSpPr>
+        <p:spPr>
+          <a:xfrm rot="-8100000">
+            <a:off x="7378298" y="5491156"/>
+            <a:ext cx="164612" cy="216425"/>
+          </a:xfrm>
+          <a:prstGeom prst="downArrow">
+            <a:avLst/>
+          </a:prstGeom>
+          <a:solidFill>
+            <a:schemeClr val="bg1"/>
+          </a:solidFill>
+          <a:ln>
+            <a:noFill/>
+          </a:ln>
+        </p:spPr>
+        <p:style>
+          <a:lnRef idx="2">
+            <a:schemeClr val="accent1">
+              <a:shade val="50000"/>
+            </a:schemeClr>
+          </a:lnRef>
+          <a:fillRef idx="1">
+            <a:schemeClr val="accent1"/>
+          </a:fillRef>
+          <a:effectRef idx="0">
+            <a:schemeClr val="accent1"/>
+          </a:effectRef>
+          <a:fontRef idx="minor">
+            <a:schemeClr val="lt1"/>
+          </a:fontRef>
+        </p:style>
+        <p:txBody>
+          <a:bodyPr rtlCol="0" anchor="ctr"/>
+          <a:lstStyle/>
+          <a:p>
+            <a:pPr algn="ctr"/>
+            <a:endParaRPr lang="en-US"/>
+          </a:p>
+        </p:txBody>
+      </p:sp>
+      <p:sp>
+        <p:nvSpPr>
+          <p:cNvPr id="29" name="Arrow: Down 28">
+            <a:extLst>
+              <a:ext uri="{FF2B5EF4-FFF2-40B4-BE49-F238E27FC236}">
+                <a16:creationId xmlns:a16="http://schemas.microsoft.com/office/drawing/2014/main" id="{A6C0A699-5D03-4639-91B1-2F415CAE98BF}"/>
+              </a:ext>
+            </a:extLst>
+          </p:cNvPr>
+          <p:cNvSpPr/>
+          <p:nvPr/>
+        </p:nvSpPr>
+        <p:spPr>
+          <a:xfrm rot="8100000">
+            <a:off x="7729650" y="5491156"/>
+            <a:ext cx="164612" cy="216425"/>
+          </a:xfrm>
+          <a:prstGeom prst="downArrow">
+            <a:avLst/>
+          </a:prstGeom>
+          <a:solidFill>
+            <a:schemeClr val="bg1"/>
+          </a:solidFill>
+          <a:ln>
+            <a:noFill/>
+          </a:ln>
+        </p:spPr>
+        <p:style>
+          <a:lnRef idx="2">
+            <a:schemeClr val="accent1">
+              <a:shade val="50000"/>
+            </a:schemeClr>
+          </a:lnRef>
+          <a:fillRef idx="1">
+            <a:schemeClr val="accent1"/>
+          </a:fillRef>
+          <a:effectRef idx="0">
+            <a:schemeClr val="accent1"/>
+          </a:effectRef>
+          <a:fontRef idx="minor">
+            <a:schemeClr val="lt1"/>
+          </a:fontRef>
+        </p:style>
+        <p:txBody>
+          <a:bodyPr rtlCol="0" anchor="ctr"/>
+          <a:lstStyle/>
+          <a:p>
+            <a:pPr algn="ctr"/>
+            <a:endParaRPr lang="en-US"/>
+          </a:p>
+        </p:txBody>
+      </p:sp>
+      <p:sp>
+        <p:nvSpPr>
+          <p:cNvPr id="30" name="Arrow: Down 29">
+            <a:extLst>
+              <a:ext uri="{FF2B5EF4-FFF2-40B4-BE49-F238E27FC236}">
+                <a16:creationId xmlns:a16="http://schemas.microsoft.com/office/drawing/2014/main" id="{E4D5B340-F6B9-4311-9069-C190C90ED31F}"/>
+              </a:ext>
+            </a:extLst>
+          </p:cNvPr>
+          <p:cNvSpPr/>
+          <p:nvPr/>
+        </p:nvSpPr>
+        <p:spPr>
+          <a:xfrm rot="-2700000">
+            <a:off x="7378298" y="5143663"/>
+            <a:ext cx="164612" cy="216425"/>
+          </a:xfrm>
+          <a:prstGeom prst="downArrow">
+            <a:avLst/>
+          </a:prstGeom>
+          <a:solidFill>
+            <a:schemeClr val="bg1"/>
+          </a:solidFill>
+          <a:ln>
+            <a:noFill/>
+          </a:ln>
+        </p:spPr>
+        <p:style>
+          <a:lnRef idx="2">
+            <a:schemeClr val="accent1">
+              <a:shade val="50000"/>
+            </a:schemeClr>
+          </a:lnRef>
+          <a:fillRef idx="1">
+            <a:schemeClr val="accent1"/>
+          </a:fillRef>
+          <a:effectRef idx="0">
+            <a:schemeClr val="accent1"/>
+          </a:effectRef>
+          <a:fontRef idx="minor">
+            <a:schemeClr val="lt1"/>
+          </a:fontRef>
+        </p:style>
+        <p:txBody>
+          <a:bodyPr rtlCol="0" anchor="ctr"/>
+          <a:lstStyle/>
+          <a:p>
+            <a:pPr algn="ctr"/>
+            <a:endParaRPr lang="en-US"/>
+          </a:p>
+        </p:txBody>
+      </p:sp>
+      <p:sp>
+        <p:nvSpPr>
+          <p:cNvPr id="31" name="Arrow: Down 30">
+            <a:extLst>
+              <a:ext uri="{FF2B5EF4-FFF2-40B4-BE49-F238E27FC236}">
+                <a16:creationId xmlns:a16="http://schemas.microsoft.com/office/drawing/2014/main" id="{3E19E82E-6591-46E7-92F4-53AE4303DF0C}"/>
+              </a:ext>
+            </a:extLst>
+          </p:cNvPr>
+          <p:cNvSpPr/>
+          <p:nvPr/>
+        </p:nvSpPr>
+        <p:spPr>
+          <a:xfrm rot="2700000">
+            <a:off x="7729649" y="5143664"/>
+            <a:ext cx="164612" cy="216425"/>
+          </a:xfrm>
+          <a:prstGeom prst="downArrow">
+            <a:avLst/>
+          </a:prstGeom>
+          <a:solidFill>
+            <a:schemeClr val="bg1"/>
+          </a:solidFill>
+          <a:ln>
+            <a:noFill/>
+          </a:ln>
+        </p:spPr>
+        <p:style>
+          <a:lnRef idx="2">
+            <a:schemeClr val="accent1">
+              <a:shade val="50000"/>
+            </a:schemeClr>
+          </a:lnRef>
+          <a:fillRef idx="1">
+            <a:schemeClr val="accent1"/>
+          </a:fillRef>
+          <a:effectRef idx="0">
+            <a:schemeClr val="accent1"/>
+          </a:effectRef>
+          <a:fontRef idx="minor">
+            <a:schemeClr val="lt1"/>
+          </a:fontRef>
+        </p:style>
+        <p:txBody>
+          <a:bodyPr rtlCol="0" anchor="ctr"/>
+          <a:lstStyle/>
+          <a:p>
+            <a:pPr algn="ctr"/>
+            <a:endParaRPr lang="en-US"/>
+          </a:p>
+        </p:txBody>
+      </p:sp>
+      <p:sp>
+        <p:nvSpPr>
+          <p:cNvPr id="35" name="Rectangle: Rounded Corners 34">
+            <a:extLst>
+              <a:ext uri="{FF2B5EF4-FFF2-40B4-BE49-F238E27FC236}">
+                <a16:creationId xmlns:a16="http://schemas.microsoft.com/office/drawing/2014/main" id="{CA220D01-5D7A-47BC-B3B3-2287031594A5}"/>
+              </a:ext>
+            </a:extLst>
+          </p:cNvPr>
+          <p:cNvSpPr/>
+          <p:nvPr/>
+        </p:nvSpPr>
+        <p:spPr>
+          <a:xfrm>
+            <a:off x="4178412" y="838900"/>
+            <a:ext cx="620785" cy="620785"/>
+          </a:xfrm>
+          <a:prstGeom prst="roundRect">
+            <a:avLst/>
+          </a:prstGeom>
+          <a:solidFill>
+            <a:schemeClr val="bg1">
+              <a:lumMod val="65000"/>
+            </a:schemeClr>
+          </a:solidFill>
+          <a:ln>
+            <a:noFill/>
+          </a:ln>
+        </p:spPr>
+        <p:style>
+          <a:lnRef idx="3">
+            <a:schemeClr val="lt1"/>
+          </a:lnRef>
+          <a:fillRef idx="1">
+            <a:schemeClr val="accent3"/>
+          </a:fillRef>
+          <a:effectRef idx="1">
+            <a:schemeClr val="accent3"/>
+          </a:effectRef>
+          <a:fontRef idx="minor">
+            <a:schemeClr val="lt1"/>
+          </a:fontRef>
+        </p:style>
+        <p:txBody>
+          <a:bodyPr rtlCol="0" anchor="ctr"/>
+          <a:lstStyle/>
+          <a:p>
+            <a:pPr algn="ctr"/>
+            <a:endParaRPr lang="en-US"/>
+          </a:p>
+        </p:txBody>
+      </p:sp>
+      <p:sp>
+        <p:nvSpPr>
+          <p:cNvPr id="36" name="Arrow: Chevron 35">
+            <a:extLst>
+              <a:ext uri="{FF2B5EF4-FFF2-40B4-BE49-F238E27FC236}">
+                <a16:creationId xmlns:a16="http://schemas.microsoft.com/office/drawing/2014/main" id="{381E4E25-3794-4155-B0E8-85DCAF8D3341}"/>
+              </a:ext>
+            </a:extLst>
+          </p:cNvPr>
+          <p:cNvSpPr/>
+          <p:nvPr/>
+        </p:nvSpPr>
+        <p:spPr>
+          <a:xfrm flipH="1">
+            <a:off x="4353137" y="919076"/>
+            <a:ext cx="275250" cy="460432"/>
+          </a:xfrm>
+          <a:prstGeom prst="chevron">
+            <a:avLst/>
+          </a:prstGeom>
+          <a:solidFill>
+            <a:schemeClr val="bg1"/>
+          </a:solidFill>
+          <a:ln>
+            <a:noFill/>
+          </a:ln>
+        </p:spPr>
+        <p:style>
+          <a:lnRef idx="2">
+            <a:schemeClr val="accent1">
+              <a:shade val="50000"/>
+            </a:schemeClr>
+          </a:lnRef>
+          <a:fillRef idx="1">
+            <a:schemeClr val="accent1"/>
+          </a:fillRef>
+          <a:effectRef idx="0">
+            <a:schemeClr val="accent1"/>
+          </a:effectRef>
+          <a:fontRef idx="minor">
+            <a:schemeClr val="lt1"/>
+          </a:fontRef>
+        </p:style>
+        <p:txBody>
+          <a:bodyPr rtlCol="0" anchor="ctr"/>
+          <a:lstStyle/>
+          <a:p>
+            <a:pPr algn="ctr"/>
+            <a:endParaRPr lang="en-US">
+              <a:solidFill>
+                <a:schemeClr val="tx1"/>
+              </a:solidFill>
+            </a:endParaRPr>
+          </a:p>
+        </p:txBody>
+      </p:sp>
+    </p:spTree>
+    <p:extLst>
+      <p:ext uri="{BB962C8B-B14F-4D97-AF65-F5344CB8AC3E}">
+        <p14:creationId xmlns:p14="http://schemas.microsoft.com/office/powerpoint/2010/main" val="3083230359"/>
       </p:ext>
     </p:extLst>
   </p:cSld>

--- a/Document/Rabbit_Tutorial.pptx
+++ b/Document/Rabbit_Tutorial.pptx
@@ -264,7 +264,7 @@
           <a:p>
             <a:fld id="{1A06FA0B-CFBE-429B-8CB7-21045D9DF691}" type="datetimeFigureOut">
               <a:rPr lang="en-US" smtClean="0"/>
-              <a:t>7/22/2017</a:t>
+              <a:t>7/23/2017</a:t>
             </a:fld>
             <a:endParaRPr lang="en-US"/>
           </a:p>
@@ -462,7 +462,7 @@
           <a:p>
             <a:fld id="{1A06FA0B-CFBE-429B-8CB7-21045D9DF691}" type="datetimeFigureOut">
               <a:rPr lang="en-US" smtClean="0"/>
-              <a:t>7/22/2017</a:t>
+              <a:t>7/23/2017</a:t>
             </a:fld>
             <a:endParaRPr lang="en-US"/>
           </a:p>
@@ -670,7 +670,7 @@
           <a:p>
             <a:fld id="{1A06FA0B-CFBE-429B-8CB7-21045D9DF691}" type="datetimeFigureOut">
               <a:rPr lang="en-US" smtClean="0"/>
-              <a:t>7/22/2017</a:t>
+              <a:t>7/23/2017</a:t>
             </a:fld>
             <a:endParaRPr lang="en-US"/>
           </a:p>
@@ -868,7 +868,7 @@
           <a:p>
             <a:fld id="{1A06FA0B-CFBE-429B-8CB7-21045D9DF691}" type="datetimeFigureOut">
               <a:rPr lang="en-US" smtClean="0"/>
-              <a:t>7/22/2017</a:t>
+              <a:t>7/23/2017</a:t>
             </a:fld>
             <a:endParaRPr lang="en-US"/>
           </a:p>
@@ -1143,7 +1143,7 @@
           <a:p>
             <a:fld id="{1A06FA0B-CFBE-429B-8CB7-21045D9DF691}" type="datetimeFigureOut">
               <a:rPr lang="en-US" smtClean="0"/>
-              <a:t>7/22/2017</a:t>
+              <a:t>7/23/2017</a:t>
             </a:fld>
             <a:endParaRPr lang="en-US"/>
           </a:p>
@@ -1408,7 +1408,7 @@
           <a:p>
             <a:fld id="{1A06FA0B-CFBE-429B-8CB7-21045D9DF691}" type="datetimeFigureOut">
               <a:rPr lang="en-US" smtClean="0"/>
-              <a:t>7/22/2017</a:t>
+              <a:t>7/23/2017</a:t>
             </a:fld>
             <a:endParaRPr lang="en-US"/>
           </a:p>
@@ -1820,7 +1820,7 @@
           <a:p>
             <a:fld id="{1A06FA0B-CFBE-429B-8CB7-21045D9DF691}" type="datetimeFigureOut">
               <a:rPr lang="en-US" smtClean="0"/>
-              <a:t>7/22/2017</a:t>
+              <a:t>7/23/2017</a:t>
             </a:fld>
             <a:endParaRPr lang="en-US"/>
           </a:p>
@@ -1961,7 +1961,7 @@
           <a:p>
             <a:fld id="{1A06FA0B-CFBE-429B-8CB7-21045D9DF691}" type="datetimeFigureOut">
               <a:rPr lang="en-US" smtClean="0"/>
-              <a:t>7/22/2017</a:t>
+              <a:t>7/23/2017</a:t>
             </a:fld>
             <a:endParaRPr lang="en-US"/>
           </a:p>
@@ -2074,7 +2074,7 @@
           <a:p>
             <a:fld id="{1A06FA0B-CFBE-429B-8CB7-21045D9DF691}" type="datetimeFigureOut">
               <a:rPr lang="en-US" smtClean="0"/>
-              <a:t>7/22/2017</a:t>
+              <a:t>7/23/2017</a:t>
             </a:fld>
             <a:endParaRPr lang="en-US"/>
           </a:p>
@@ -2385,7 +2385,7 @@
           <a:p>
             <a:fld id="{1A06FA0B-CFBE-429B-8CB7-21045D9DF691}" type="datetimeFigureOut">
               <a:rPr lang="en-US" smtClean="0"/>
-              <a:t>7/22/2017</a:t>
+              <a:t>7/23/2017</a:t>
             </a:fld>
             <a:endParaRPr lang="en-US"/>
           </a:p>
@@ -2673,7 +2673,7 @@
           <a:p>
             <a:fld id="{1A06FA0B-CFBE-429B-8CB7-21045D9DF691}" type="datetimeFigureOut">
               <a:rPr lang="en-US" smtClean="0"/>
-              <a:t>7/22/2017</a:t>
+              <a:t>7/23/2017</a:t>
             </a:fld>
             <a:endParaRPr lang="en-US"/>
           </a:p>
@@ -2914,7 +2914,7 @@
           <a:p>
             <a:fld id="{1A06FA0B-CFBE-429B-8CB7-21045D9DF691}" type="datetimeFigureOut">
               <a:rPr lang="en-US" smtClean="0"/>
-              <a:t>7/22/2017</a:t>
+              <a:t>7/23/2017</a:t>
             </a:fld>
             <a:endParaRPr lang="en-US"/>
           </a:p>
@@ -3766,7 +3766,7 @@
         </p:nvSpPr>
         <p:spPr>
           <a:xfrm>
-            <a:off x="-1130679" y="-207329"/>
+            <a:off x="-7035234" y="-591889"/>
             <a:ext cx="12531012" cy="7660433"/>
           </a:xfrm>
           <a:prstGeom prst="rect">
@@ -3812,7 +3812,7 @@
         </p:nvSpPr>
         <p:spPr>
           <a:xfrm>
-            <a:off x="1300294" y="1149293"/>
+            <a:off x="5693247" y="5113300"/>
             <a:ext cx="620785" cy="620785"/>
           </a:xfrm>
           <a:prstGeom prst="roundRect">
@@ -3823,8 +3823,12 @@
               <a:lumMod val="65000"/>
             </a:schemeClr>
           </a:solidFill>
-          <a:ln>
-            <a:noFill/>
+          <a:ln w="57150">
+            <a:solidFill>
+              <a:schemeClr val="bg1">
+                <a:lumMod val="95000"/>
+              </a:schemeClr>
+            </a:solidFill>
           </a:ln>
         </p:spPr>
         <p:style>
@@ -3881,7 +3885,7 @@
         </p:blipFill>
         <p:spPr>
           <a:xfrm>
-            <a:off x="1354394" y="1203393"/>
+            <a:off x="5747347" y="5167400"/>
             <a:ext cx="512584" cy="512584"/>
           </a:xfrm>
           <a:prstGeom prst="rect">
@@ -4242,8 +4246,12 @@
               <a:lumMod val="65000"/>
             </a:schemeClr>
           </a:solidFill>
-          <a:ln>
-            <a:noFill/>
+          <a:ln w="57150">
+            <a:solidFill>
+              <a:schemeClr val="bg1">
+                <a:lumMod val="95000"/>
+              </a:schemeClr>
+            </a:solidFill>
           </a:ln>
         </p:spPr>
         <p:style>
@@ -4594,8 +4602,12 @@
               <a:lumMod val="65000"/>
             </a:schemeClr>
           </a:solidFill>
-          <a:ln>
-            <a:noFill/>
+          <a:ln w="57150">
+            <a:solidFill>
+              <a:schemeClr val="bg1">
+                <a:lumMod val="95000"/>
+              </a:schemeClr>
+            </a:solidFill>
           </a:ln>
         </p:spPr>
         <p:style>

--- a/Document/Rabbit_Tutorial.pptx
+++ b/Document/Rabbit_Tutorial.pptx
@@ -264,7 +264,7 @@
           <a:p>
             <a:fld id="{1A06FA0B-CFBE-429B-8CB7-21045D9DF691}" type="datetimeFigureOut">
               <a:rPr lang="en-US" smtClean="0"/>
-              <a:t>7/23/2017</a:t>
+              <a:t>7/24/2017</a:t>
             </a:fld>
             <a:endParaRPr lang="en-US"/>
           </a:p>
@@ -462,7 +462,7 @@
           <a:p>
             <a:fld id="{1A06FA0B-CFBE-429B-8CB7-21045D9DF691}" type="datetimeFigureOut">
               <a:rPr lang="en-US" smtClean="0"/>
-              <a:t>7/23/2017</a:t>
+              <a:t>7/24/2017</a:t>
             </a:fld>
             <a:endParaRPr lang="en-US"/>
           </a:p>
@@ -670,7 +670,7 @@
           <a:p>
             <a:fld id="{1A06FA0B-CFBE-429B-8CB7-21045D9DF691}" type="datetimeFigureOut">
               <a:rPr lang="en-US" smtClean="0"/>
-              <a:t>7/23/2017</a:t>
+              <a:t>7/24/2017</a:t>
             </a:fld>
             <a:endParaRPr lang="en-US"/>
           </a:p>
@@ -868,7 +868,7 @@
           <a:p>
             <a:fld id="{1A06FA0B-CFBE-429B-8CB7-21045D9DF691}" type="datetimeFigureOut">
               <a:rPr lang="en-US" smtClean="0"/>
-              <a:t>7/23/2017</a:t>
+              <a:t>7/24/2017</a:t>
             </a:fld>
             <a:endParaRPr lang="en-US"/>
           </a:p>
@@ -1143,7 +1143,7 @@
           <a:p>
             <a:fld id="{1A06FA0B-CFBE-429B-8CB7-21045D9DF691}" type="datetimeFigureOut">
               <a:rPr lang="en-US" smtClean="0"/>
-              <a:t>7/23/2017</a:t>
+              <a:t>7/24/2017</a:t>
             </a:fld>
             <a:endParaRPr lang="en-US"/>
           </a:p>
@@ -1408,7 +1408,7 @@
           <a:p>
             <a:fld id="{1A06FA0B-CFBE-429B-8CB7-21045D9DF691}" type="datetimeFigureOut">
               <a:rPr lang="en-US" smtClean="0"/>
-              <a:t>7/23/2017</a:t>
+              <a:t>7/24/2017</a:t>
             </a:fld>
             <a:endParaRPr lang="en-US"/>
           </a:p>
@@ -1820,7 +1820,7 @@
           <a:p>
             <a:fld id="{1A06FA0B-CFBE-429B-8CB7-21045D9DF691}" type="datetimeFigureOut">
               <a:rPr lang="en-US" smtClean="0"/>
-              <a:t>7/23/2017</a:t>
+              <a:t>7/24/2017</a:t>
             </a:fld>
             <a:endParaRPr lang="en-US"/>
           </a:p>
@@ -1961,7 +1961,7 @@
           <a:p>
             <a:fld id="{1A06FA0B-CFBE-429B-8CB7-21045D9DF691}" type="datetimeFigureOut">
               <a:rPr lang="en-US" smtClean="0"/>
-              <a:t>7/23/2017</a:t>
+              <a:t>7/24/2017</a:t>
             </a:fld>
             <a:endParaRPr lang="en-US"/>
           </a:p>
@@ -2074,7 +2074,7 @@
           <a:p>
             <a:fld id="{1A06FA0B-CFBE-429B-8CB7-21045D9DF691}" type="datetimeFigureOut">
               <a:rPr lang="en-US" smtClean="0"/>
-              <a:t>7/23/2017</a:t>
+              <a:t>7/24/2017</a:t>
             </a:fld>
             <a:endParaRPr lang="en-US"/>
           </a:p>
@@ -2385,7 +2385,7 @@
           <a:p>
             <a:fld id="{1A06FA0B-CFBE-429B-8CB7-21045D9DF691}" type="datetimeFigureOut">
               <a:rPr lang="en-US" smtClean="0"/>
-              <a:t>7/23/2017</a:t>
+              <a:t>7/24/2017</a:t>
             </a:fld>
             <a:endParaRPr lang="en-US"/>
           </a:p>
@@ -2673,7 +2673,7 @@
           <a:p>
             <a:fld id="{1A06FA0B-CFBE-429B-8CB7-21045D9DF691}" type="datetimeFigureOut">
               <a:rPr lang="en-US" smtClean="0"/>
-              <a:t>7/23/2017</a:t>
+              <a:t>7/24/2017</a:t>
             </a:fld>
             <a:endParaRPr lang="en-US"/>
           </a:p>
@@ -2914,7 +2914,7 @@
           <a:p>
             <a:fld id="{1A06FA0B-CFBE-429B-8CB7-21045D9DF691}" type="datetimeFigureOut">
               <a:rPr lang="en-US" smtClean="0"/>
-              <a:t>7/23/2017</a:t>
+              <a:t>7/24/2017</a:t>
             </a:fld>
             <a:endParaRPr lang="en-US"/>
           </a:p>
@@ -4949,6 +4949,55 @@
           </a:p>
         </p:txBody>
       </p:sp>
+      <p:sp>
+        <p:nvSpPr>
+          <p:cNvPr id="2" name="Arrow: Right 1">
+            <a:extLst>
+              <a:ext uri="{FF2B5EF4-FFF2-40B4-BE49-F238E27FC236}">
+                <a16:creationId xmlns:a16="http://schemas.microsoft.com/office/drawing/2014/main" id="{C7E4A8DE-F2C5-4EDA-977F-0DC46F47CCED}"/>
+              </a:ext>
+            </a:extLst>
+          </p:cNvPr>
+          <p:cNvSpPr/>
+          <p:nvPr/>
+        </p:nvSpPr>
+        <p:spPr>
+          <a:xfrm>
+            <a:off x="1150881" y="1182144"/>
+            <a:ext cx="1197421" cy="555081"/>
+          </a:xfrm>
+          <a:prstGeom prst="rightArrow">
+            <a:avLst/>
+          </a:prstGeom>
+          <a:solidFill>
+            <a:schemeClr val="bg1"/>
+          </a:solidFill>
+        </p:spPr>
+        <p:style>
+          <a:lnRef idx="2">
+            <a:schemeClr val="accent1">
+              <a:shade val="50000"/>
+            </a:schemeClr>
+          </a:lnRef>
+          <a:fillRef idx="1">
+            <a:schemeClr val="accent1"/>
+          </a:fillRef>
+          <a:effectRef idx="0">
+            <a:schemeClr val="accent1"/>
+          </a:effectRef>
+          <a:fontRef idx="minor">
+            <a:schemeClr val="lt1"/>
+          </a:fontRef>
+        </p:style>
+        <p:txBody>
+          <a:bodyPr rtlCol="0" anchor="ctr"/>
+          <a:lstStyle/>
+          <a:p>
+            <a:pPr algn="ctr"/>
+            <a:endParaRPr lang="en-US"/>
+          </a:p>
+        </p:txBody>
+      </p:sp>
     </p:spTree>
     <p:extLst>
       <p:ext uri="{BB962C8B-B14F-4D97-AF65-F5344CB8AC3E}">

--- a/Document/Rabbit_Tutorial.pptx
+++ b/Document/Rabbit_Tutorial.pptx
@@ -264,7 +264,7 @@
           <a:p>
             <a:fld id="{1A06FA0B-CFBE-429B-8CB7-21045D9DF691}" type="datetimeFigureOut">
               <a:rPr lang="en-US" smtClean="0"/>
-              <a:t>7/24/2017</a:t>
+              <a:t>7/25/2017</a:t>
             </a:fld>
             <a:endParaRPr lang="en-US"/>
           </a:p>
@@ -462,7 +462,7 @@
           <a:p>
             <a:fld id="{1A06FA0B-CFBE-429B-8CB7-21045D9DF691}" type="datetimeFigureOut">
               <a:rPr lang="en-US" smtClean="0"/>
-              <a:t>7/24/2017</a:t>
+              <a:t>7/25/2017</a:t>
             </a:fld>
             <a:endParaRPr lang="en-US"/>
           </a:p>
@@ -670,7 +670,7 @@
           <a:p>
             <a:fld id="{1A06FA0B-CFBE-429B-8CB7-21045D9DF691}" type="datetimeFigureOut">
               <a:rPr lang="en-US" smtClean="0"/>
-              <a:t>7/24/2017</a:t>
+              <a:t>7/25/2017</a:t>
             </a:fld>
             <a:endParaRPr lang="en-US"/>
           </a:p>
@@ -868,7 +868,7 @@
           <a:p>
             <a:fld id="{1A06FA0B-CFBE-429B-8CB7-21045D9DF691}" type="datetimeFigureOut">
               <a:rPr lang="en-US" smtClean="0"/>
-              <a:t>7/24/2017</a:t>
+              <a:t>7/25/2017</a:t>
             </a:fld>
             <a:endParaRPr lang="en-US"/>
           </a:p>
@@ -1143,7 +1143,7 @@
           <a:p>
             <a:fld id="{1A06FA0B-CFBE-429B-8CB7-21045D9DF691}" type="datetimeFigureOut">
               <a:rPr lang="en-US" smtClean="0"/>
-              <a:t>7/24/2017</a:t>
+              <a:t>7/25/2017</a:t>
             </a:fld>
             <a:endParaRPr lang="en-US"/>
           </a:p>
@@ -1408,7 +1408,7 @@
           <a:p>
             <a:fld id="{1A06FA0B-CFBE-429B-8CB7-21045D9DF691}" type="datetimeFigureOut">
               <a:rPr lang="en-US" smtClean="0"/>
-              <a:t>7/24/2017</a:t>
+              <a:t>7/25/2017</a:t>
             </a:fld>
             <a:endParaRPr lang="en-US"/>
           </a:p>
@@ -1820,7 +1820,7 @@
           <a:p>
             <a:fld id="{1A06FA0B-CFBE-429B-8CB7-21045D9DF691}" type="datetimeFigureOut">
               <a:rPr lang="en-US" smtClean="0"/>
-              <a:t>7/24/2017</a:t>
+              <a:t>7/25/2017</a:t>
             </a:fld>
             <a:endParaRPr lang="en-US"/>
           </a:p>
@@ -1961,7 +1961,7 @@
           <a:p>
             <a:fld id="{1A06FA0B-CFBE-429B-8CB7-21045D9DF691}" type="datetimeFigureOut">
               <a:rPr lang="en-US" smtClean="0"/>
-              <a:t>7/24/2017</a:t>
+              <a:t>7/25/2017</a:t>
             </a:fld>
             <a:endParaRPr lang="en-US"/>
           </a:p>
@@ -2074,7 +2074,7 @@
           <a:p>
             <a:fld id="{1A06FA0B-CFBE-429B-8CB7-21045D9DF691}" type="datetimeFigureOut">
               <a:rPr lang="en-US" smtClean="0"/>
-              <a:t>7/24/2017</a:t>
+              <a:t>7/25/2017</a:t>
             </a:fld>
             <a:endParaRPr lang="en-US"/>
           </a:p>
@@ -2385,7 +2385,7 @@
           <a:p>
             <a:fld id="{1A06FA0B-CFBE-429B-8CB7-21045D9DF691}" type="datetimeFigureOut">
               <a:rPr lang="en-US" smtClean="0"/>
-              <a:t>7/24/2017</a:t>
+              <a:t>7/25/2017</a:t>
             </a:fld>
             <a:endParaRPr lang="en-US"/>
           </a:p>
@@ -2673,7 +2673,7 @@
           <a:p>
             <a:fld id="{1A06FA0B-CFBE-429B-8CB7-21045D9DF691}" type="datetimeFigureOut">
               <a:rPr lang="en-US" smtClean="0"/>
-              <a:t>7/24/2017</a:t>
+              <a:t>7/25/2017</a:t>
             </a:fld>
             <a:endParaRPr lang="en-US"/>
           </a:p>
@@ -2914,7 +2914,7 @@
           <a:p>
             <a:fld id="{1A06FA0B-CFBE-429B-8CB7-21045D9DF691}" type="datetimeFigureOut">
               <a:rPr lang="en-US" smtClean="0"/>
-              <a:t>7/24/2017</a:t>
+              <a:t>7/25/2017</a:t>
             </a:fld>
             <a:endParaRPr lang="en-US"/>
           </a:p>
@@ -4963,11 +4963,14 @@
         </p:nvSpPr>
         <p:spPr>
           <a:xfrm>
-            <a:off x="1150881" y="1182144"/>
+            <a:off x="6996610" y="1459685"/>
             <a:ext cx="1197421" cy="555081"/>
           </a:xfrm>
           <a:prstGeom prst="rightArrow">
-            <a:avLst/>
+            <a:avLst>
+              <a:gd name="adj1" fmla="val 50000"/>
+              <a:gd name="adj2" fmla="val 56158"/>
+            </a:avLst>
           </a:prstGeom>
           <a:solidFill>
             <a:schemeClr val="bg1"/>

--- a/Document/Rabbit_Tutorial.pptx
+++ b/Document/Rabbit_Tutorial.pptx
@@ -264,7 +264,7 @@
           <a:p>
             <a:fld id="{1A06FA0B-CFBE-429B-8CB7-21045D9DF691}" type="datetimeFigureOut">
               <a:rPr lang="en-US" smtClean="0"/>
-              <a:t>7/25/2017</a:t>
+              <a:t>8/2/2017</a:t>
             </a:fld>
             <a:endParaRPr lang="en-US"/>
           </a:p>
@@ -462,7 +462,7 @@
           <a:p>
             <a:fld id="{1A06FA0B-CFBE-429B-8CB7-21045D9DF691}" type="datetimeFigureOut">
               <a:rPr lang="en-US" smtClean="0"/>
-              <a:t>7/25/2017</a:t>
+              <a:t>8/2/2017</a:t>
             </a:fld>
             <a:endParaRPr lang="en-US"/>
           </a:p>
@@ -670,7 +670,7 @@
           <a:p>
             <a:fld id="{1A06FA0B-CFBE-429B-8CB7-21045D9DF691}" type="datetimeFigureOut">
               <a:rPr lang="en-US" smtClean="0"/>
-              <a:t>7/25/2017</a:t>
+              <a:t>8/2/2017</a:t>
             </a:fld>
             <a:endParaRPr lang="en-US"/>
           </a:p>
@@ -868,7 +868,7 @@
           <a:p>
             <a:fld id="{1A06FA0B-CFBE-429B-8CB7-21045D9DF691}" type="datetimeFigureOut">
               <a:rPr lang="en-US" smtClean="0"/>
-              <a:t>7/25/2017</a:t>
+              <a:t>8/2/2017</a:t>
             </a:fld>
             <a:endParaRPr lang="en-US"/>
           </a:p>
@@ -1143,7 +1143,7 @@
           <a:p>
             <a:fld id="{1A06FA0B-CFBE-429B-8CB7-21045D9DF691}" type="datetimeFigureOut">
               <a:rPr lang="en-US" smtClean="0"/>
-              <a:t>7/25/2017</a:t>
+              <a:t>8/2/2017</a:t>
             </a:fld>
             <a:endParaRPr lang="en-US"/>
           </a:p>
@@ -1408,7 +1408,7 @@
           <a:p>
             <a:fld id="{1A06FA0B-CFBE-429B-8CB7-21045D9DF691}" type="datetimeFigureOut">
               <a:rPr lang="en-US" smtClean="0"/>
-              <a:t>7/25/2017</a:t>
+              <a:t>8/2/2017</a:t>
             </a:fld>
             <a:endParaRPr lang="en-US"/>
           </a:p>
@@ -1820,7 +1820,7 @@
           <a:p>
             <a:fld id="{1A06FA0B-CFBE-429B-8CB7-21045D9DF691}" type="datetimeFigureOut">
               <a:rPr lang="en-US" smtClean="0"/>
-              <a:t>7/25/2017</a:t>
+              <a:t>8/2/2017</a:t>
             </a:fld>
             <a:endParaRPr lang="en-US"/>
           </a:p>
@@ -1961,7 +1961,7 @@
           <a:p>
             <a:fld id="{1A06FA0B-CFBE-429B-8CB7-21045D9DF691}" type="datetimeFigureOut">
               <a:rPr lang="en-US" smtClean="0"/>
-              <a:t>7/25/2017</a:t>
+              <a:t>8/2/2017</a:t>
             </a:fld>
             <a:endParaRPr lang="en-US"/>
           </a:p>
@@ -2074,7 +2074,7 @@
           <a:p>
             <a:fld id="{1A06FA0B-CFBE-429B-8CB7-21045D9DF691}" type="datetimeFigureOut">
               <a:rPr lang="en-US" smtClean="0"/>
-              <a:t>7/25/2017</a:t>
+              <a:t>8/2/2017</a:t>
             </a:fld>
             <a:endParaRPr lang="en-US"/>
           </a:p>
@@ -2385,7 +2385,7 @@
           <a:p>
             <a:fld id="{1A06FA0B-CFBE-429B-8CB7-21045D9DF691}" type="datetimeFigureOut">
               <a:rPr lang="en-US" smtClean="0"/>
-              <a:t>7/25/2017</a:t>
+              <a:t>8/2/2017</a:t>
             </a:fld>
             <a:endParaRPr lang="en-US"/>
           </a:p>
@@ -2673,7 +2673,7 @@
           <a:p>
             <a:fld id="{1A06FA0B-CFBE-429B-8CB7-21045D9DF691}" type="datetimeFigureOut">
               <a:rPr lang="en-US" smtClean="0"/>
-              <a:t>7/25/2017</a:t>
+              <a:t>8/2/2017</a:t>
             </a:fld>
             <a:endParaRPr lang="en-US"/>
           </a:p>
@@ -2914,7 +2914,7 @@
           <a:p>
             <a:fld id="{1A06FA0B-CFBE-429B-8CB7-21045D9DF691}" type="datetimeFigureOut">
               <a:rPr lang="en-US" smtClean="0"/>
-              <a:t>7/25/2017</a:t>
+              <a:t>8/2/2017</a:t>
             </a:fld>
             <a:endParaRPr lang="en-US"/>
           </a:p>
@@ -5001,6 +5001,45 @@
           </a:p>
         </p:txBody>
       </p:sp>
+      <p:pic>
+        <p:nvPicPr>
+          <p:cNvPr id="5" name="Graphic 4" descr="Monitor">
+            <a:extLst>
+              <a:ext uri="{FF2B5EF4-FFF2-40B4-BE49-F238E27FC236}">
+                <a16:creationId xmlns:a16="http://schemas.microsoft.com/office/drawing/2014/main" id="{8574EDAA-F2B5-4FEB-9AFB-88AF26D3B2E3}"/>
+              </a:ext>
+            </a:extLst>
+          </p:cNvPr>
+          <p:cNvPicPr>
+            <a:picLocks noChangeAspect="1"/>
+          </p:cNvPicPr>
+          <p:nvPr/>
+        </p:nvPicPr>
+        <p:blipFill>
+          <a:blip r:embed="rId6">
+            <a:extLst>
+              <a:ext uri="{28A0092B-C50C-407E-A947-70E740481C1C}">
+                <a14:useLocalDpi xmlns:a14="http://schemas.microsoft.com/office/drawing/2010/main" val="0"/>
+              </a:ext>
+              <a:ext uri="{96DAC541-7B7A-43D3-8B79-37D633B846F1}">
+                <asvg:svgBlip xmlns:asvg="http://schemas.microsoft.com/office/drawing/2016/SVG/main" r:embed="rId7"/>
+              </a:ext>
+            </a:extLst>
+          </a:blip>
+          <a:stretch>
+            <a:fillRect/>
+          </a:stretch>
+        </p:blipFill>
+        <p:spPr>
+          <a:xfrm>
+            <a:off x="3264012" y="2915495"/>
+            <a:ext cx="914400" cy="914400"/>
+          </a:xfrm>
+          <a:prstGeom prst="rect">
+            <a:avLst/>
+          </a:prstGeom>
+        </p:spPr>
+      </p:pic>
     </p:spTree>
     <p:extLst>
       <p:ext uri="{BB962C8B-B14F-4D97-AF65-F5344CB8AC3E}">

--- a/Document/Rabbit_Tutorial.pptx
+++ b/Document/Rabbit_Tutorial.pptx
@@ -264,7 +264,7 @@
           <a:p>
             <a:fld id="{1A06FA0B-CFBE-429B-8CB7-21045D9DF691}" type="datetimeFigureOut">
               <a:rPr lang="en-US" smtClean="0"/>
-              <a:t>8/2/2017</a:t>
+              <a:t>8/3/2017</a:t>
             </a:fld>
             <a:endParaRPr lang="en-US"/>
           </a:p>
@@ -462,7 +462,7 @@
           <a:p>
             <a:fld id="{1A06FA0B-CFBE-429B-8CB7-21045D9DF691}" type="datetimeFigureOut">
               <a:rPr lang="en-US" smtClean="0"/>
-              <a:t>8/2/2017</a:t>
+              <a:t>8/3/2017</a:t>
             </a:fld>
             <a:endParaRPr lang="en-US"/>
           </a:p>
@@ -670,7 +670,7 @@
           <a:p>
             <a:fld id="{1A06FA0B-CFBE-429B-8CB7-21045D9DF691}" type="datetimeFigureOut">
               <a:rPr lang="en-US" smtClean="0"/>
-              <a:t>8/2/2017</a:t>
+              <a:t>8/3/2017</a:t>
             </a:fld>
             <a:endParaRPr lang="en-US"/>
           </a:p>
@@ -868,7 +868,7 @@
           <a:p>
             <a:fld id="{1A06FA0B-CFBE-429B-8CB7-21045D9DF691}" type="datetimeFigureOut">
               <a:rPr lang="en-US" smtClean="0"/>
-              <a:t>8/2/2017</a:t>
+              <a:t>8/3/2017</a:t>
             </a:fld>
             <a:endParaRPr lang="en-US"/>
           </a:p>
@@ -1143,7 +1143,7 @@
           <a:p>
             <a:fld id="{1A06FA0B-CFBE-429B-8CB7-21045D9DF691}" type="datetimeFigureOut">
               <a:rPr lang="en-US" smtClean="0"/>
-              <a:t>8/2/2017</a:t>
+              <a:t>8/3/2017</a:t>
             </a:fld>
             <a:endParaRPr lang="en-US"/>
           </a:p>
@@ -1408,7 +1408,7 @@
           <a:p>
             <a:fld id="{1A06FA0B-CFBE-429B-8CB7-21045D9DF691}" type="datetimeFigureOut">
               <a:rPr lang="en-US" smtClean="0"/>
-              <a:t>8/2/2017</a:t>
+              <a:t>8/3/2017</a:t>
             </a:fld>
             <a:endParaRPr lang="en-US"/>
           </a:p>
@@ -1820,7 +1820,7 @@
           <a:p>
             <a:fld id="{1A06FA0B-CFBE-429B-8CB7-21045D9DF691}" type="datetimeFigureOut">
               <a:rPr lang="en-US" smtClean="0"/>
-              <a:t>8/2/2017</a:t>
+              <a:t>8/3/2017</a:t>
             </a:fld>
             <a:endParaRPr lang="en-US"/>
           </a:p>
@@ -1961,7 +1961,7 @@
           <a:p>
             <a:fld id="{1A06FA0B-CFBE-429B-8CB7-21045D9DF691}" type="datetimeFigureOut">
               <a:rPr lang="en-US" smtClean="0"/>
-              <a:t>8/2/2017</a:t>
+              <a:t>8/3/2017</a:t>
             </a:fld>
             <a:endParaRPr lang="en-US"/>
           </a:p>
@@ -2074,7 +2074,7 @@
           <a:p>
             <a:fld id="{1A06FA0B-CFBE-429B-8CB7-21045D9DF691}" type="datetimeFigureOut">
               <a:rPr lang="en-US" smtClean="0"/>
-              <a:t>8/2/2017</a:t>
+              <a:t>8/3/2017</a:t>
             </a:fld>
             <a:endParaRPr lang="en-US"/>
           </a:p>
@@ -2385,7 +2385,7 @@
           <a:p>
             <a:fld id="{1A06FA0B-CFBE-429B-8CB7-21045D9DF691}" type="datetimeFigureOut">
               <a:rPr lang="en-US" smtClean="0"/>
-              <a:t>8/2/2017</a:t>
+              <a:t>8/3/2017</a:t>
             </a:fld>
             <a:endParaRPr lang="en-US"/>
           </a:p>
@@ -2673,7 +2673,7 @@
           <a:p>
             <a:fld id="{1A06FA0B-CFBE-429B-8CB7-21045D9DF691}" type="datetimeFigureOut">
               <a:rPr lang="en-US" smtClean="0"/>
-              <a:t>8/2/2017</a:t>
+              <a:t>8/3/2017</a:t>
             </a:fld>
             <a:endParaRPr lang="en-US"/>
           </a:p>
@@ -2914,7 +2914,7 @@
           <a:p>
             <a:fld id="{1A06FA0B-CFBE-429B-8CB7-21045D9DF691}" type="datetimeFigureOut">
               <a:rPr lang="en-US" smtClean="0"/>
-              <a:t>8/2/2017</a:t>
+              <a:t>8/3/2017</a:t>
             </a:fld>
             <a:endParaRPr lang="en-US"/>
           </a:p>
@@ -3766,7 +3766,7 @@
         </p:nvSpPr>
         <p:spPr>
           <a:xfrm>
-            <a:off x="-7035234" y="-591889"/>
+            <a:off x="-1023733" y="2511529"/>
             <a:ext cx="12531012" cy="7660433"/>
           </a:xfrm>
           <a:prstGeom prst="rect">
@@ -5040,6 +5040,483 @@
           </a:prstGeom>
         </p:spPr>
       </p:pic>
+      <p:grpSp>
+        <p:nvGrpSpPr>
+          <p:cNvPr id="23" name="Group 22">
+            <a:extLst>
+              <a:ext uri="{FF2B5EF4-FFF2-40B4-BE49-F238E27FC236}">
+                <a16:creationId xmlns:a16="http://schemas.microsoft.com/office/drawing/2014/main" id="{AB12FFA8-4550-402A-914B-C1DB3C622B19}"/>
+              </a:ext>
+            </a:extLst>
+          </p:cNvPr>
+          <p:cNvGrpSpPr/>
+          <p:nvPr/>
+        </p:nvGrpSpPr>
+        <p:grpSpPr>
+          <a:xfrm>
+            <a:off x="1977575" y="3053720"/>
+            <a:ext cx="914400" cy="914400"/>
+            <a:chOff x="2269954" y="822825"/>
+            <a:chExt cx="914400" cy="914400"/>
+          </a:xfrm>
+        </p:grpSpPr>
+        <p:sp>
+          <p:nvSpPr>
+            <p:cNvPr id="16" name="Oval 15">
+              <a:extLst>
+                <a:ext uri="{FF2B5EF4-FFF2-40B4-BE49-F238E27FC236}">
+                  <a16:creationId xmlns:a16="http://schemas.microsoft.com/office/drawing/2014/main" id="{AE3121FF-35AE-4977-B407-D9104BCE5547}"/>
+                </a:ext>
+              </a:extLst>
+            </p:cNvPr>
+            <p:cNvSpPr/>
+            <p:nvPr/>
+          </p:nvSpPr>
+          <p:spPr>
+            <a:xfrm>
+              <a:off x="2392574" y="937332"/>
+              <a:ext cx="669160" cy="669160"/>
+            </a:xfrm>
+            <a:prstGeom prst="ellipse">
+              <a:avLst/>
+            </a:prstGeom>
+            <a:solidFill>
+              <a:schemeClr val="bg1"/>
+            </a:solidFill>
+          </p:spPr>
+          <p:style>
+            <a:lnRef idx="2">
+              <a:schemeClr val="accent1">
+                <a:shade val="50000"/>
+              </a:schemeClr>
+            </a:lnRef>
+            <a:fillRef idx="1">
+              <a:schemeClr val="accent1"/>
+            </a:fillRef>
+            <a:effectRef idx="0">
+              <a:schemeClr val="accent1"/>
+            </a:effectRef>
+            <a:fontRef idx="minor">
+              <a:schemeClr val="lt1"/>
+            </a:fontRef>
+          </p:style>
+          <p:txBody>
+            <a:bodyPr rtlCol="0" anchor="ctr"/>
+            <a:lstStyle/>
+            <a:p>
+              <a:pPr algn="ctr"/>
+              <a:endParaRPr lang="en-US"/>
+            </a:p>
+          </p:txBody>
+        </p:sp>
+        <p:pic>
+          <p:nvPicPr>
+            <p:cNvPr id="8" name="Graphic 7" descr="Soccer">
+              <a:extLst>
+                <a:ext uri="{FF2B5EF4-FFF2-40B4-BE49-F238E27FC236}">
+                  <a16:creationId xmlns:a16="http://schemas.microsoft.com/office/drawing/2014/main" id="{F3C4FC7B-719D-4E21-A5C3-BB4A2FCA8D60}"/>
+                </a:ext>
+              </a:extLst>
+            </p:cNvPr>
+            <p:cNvPicPr>
+              <a:picLocks noChangeAspect="1"/>
+            </p:cNvPicPr>
+            <p:nvPr/>
+          </p:nvPicPr>
+          <p:blipFill>
+            <a:blip r:embed="rId8">
+              <a:extLst>
+                <a:ext uri="{28A0092B-C50C-407E-A947-70E740481C1C}">
+                  <a14:useLocalDpi xmlns:a14="http://schemas.microsoft.com/office/drawing/2010/main" val="0"/>
+                </a:ext>
+                <a:ext uri="{96DAC541-7B7A-43D3-8B79-37D633B846F1}">
+                  <asvg:svgBlip xmlns:asvg="http://schemas.microsoft.com/office/drawing/2016/SVG/main" r:embed="rId9"/>
+                </a:ext>
+              </a:extLst>
+            </a:blip>
+            <a:stretch>
+              <a:fillRect/>
+            </a:stretch>
+          </p:blipFill>
+          <p:spPr>
+            <a:xfrm>
+              <a:off x="2269954" y="822825"/>
+              <a:ext cx="914400" cy="914400"/>
+            </a:xfrm>
+            <a:prstGeom prst="rect">
+              <a:avLst/>
+            </a:prstGeom>
+          </p:spPr>
+        </p:pic>
+      </p:grpSp>
+      <p:sp>
+        <p:nvSpPr>
+          <p:cNvPr id="24" name="Oval 23">
+            <a:extLst>
+              <a:ext uri="{FF2B5EF4-FFF2-40B4-BE49-F238E27FC236}">
+                <a16:creationId xmlns:a16="http://schemas.microsoft.com/office/drawing/2014/main" id="{EB6E7C27-6CCD-4263-8949-C90E1B3D08D4}"/>
+              </a:ext>
+            </a:extLst>
+          </p:cNvPr>
+          <p:cNvSpPr/>
+          <p:nvPr/>
+        </p:nvSpPr>
+        <p:spPr>
+          <a:xfrm>
+            <a:off x="7811955" y="3265345"/>
+            <a:ext cx="360897" cy="360897"/>
+          </a:xfrm>
+          <a:prstGeom prst="ellipse">
+            <a:avLst/>
+          </a:prstGeom>
+          <a:gradFill flip="none" rotWithShape="1">
+            <a:gsLst>
+              <a:gs pos="0">
+                <a:schemeClr val="accent6">
+                  <a:lumMod val="67000"/>
+                </a:schemeClr>
+              </a:gs>
+              <a:gs pos="48000">
+                <a:schemeClr val="accent6">
+                  <a:lumMod val="97000"/>
+                  <a:lumOff val="3000"/>
+                </a:schemeClr>
+              </a:gs>
+              <a:gs pos="100000">
+                <a:schemeClr val="accent6">
+                  <a:lumMod val="60000"/>
+                  <a:lumOff val="40000"/>
+                </a:schemeClr>
+              </a:gs>
+            </a:gsLst>
+            <a:lin ang="16200000" scaled="1"/>
+            <a:tileRect/>
+          </a:gradFill>
+          <a:ln>
+            <a:noFill/>
+          </a:ln>
+        </p:spPr>
+        <p:style>
+          <a:lnRef idx="0">
+            <a:scrgbClr r="0" g="0" b="0"/>
+          </a:lnRef>
+          <a:fillRef idx="0">
+            <a:scrgbClr r="0" g="0" b="0"/>
+          </a:fillRef>
+          <a:effectRef idx="0">
+            <a:scrgbClr r="0" g="0" b="0"/>
+          </a:effectRef>
+          <a:fontRef idx="minor">
+            <a:schemeClr val="lt1"/>
+          </a:fontRef>
+        </p:style>
+        <p:txBody>
+          <a:bodyPr rtlCol="0" anchor="ctr"/>
+          <a:lstStyle/>
+          <a:p>
+            <a:pPr algn="ctr"/>
+            <a:endParaRPr lang="en-US"/>
+          </a:p>
+        </p:txBody>
+      </p:sp>
+      <p:sp>
+        <p:nvSpPr>
+          <p:cNvPr id="33" name="Oval 32">
+            <a:extLst>
+              <a:ext uri="{FF2B5EF4-FFF2-40B4-BE49-F238E27FC236}">
+                <a16:creationId xmlns:a16="http://schemas.microsoft.com/office/drawing/2014/main" id="{0B1BB7EF-FD28-4FDF-A6A3-36045EB03257}"/>
+              </a:ext>
+            </a:extLst>
+          </p:cNvPr>
+          <p:cNvSpPr/>
+          <p:nvPr/>
+        </p:nvSpPr>
+        <p:spPr>
+          <a:xfrm>
+            <a:off x="7928143" y="3375433"/>
+            <a:ext cx="421315" cy="421315"/>
+          </a:xfrm>
+          <a:prstGeom prst="ellipse">
+            <a:avLst/>
+          </a:prstGeom>
+          <a:gradFill flip="none" rotWithShape="1">
+            <a:gsLst>
+              <a:gs pos="0">
+                <a:schemeClr val="dk1">
+                  <a:lumMod val="67000"/>
+                </a:schemeClr>
+              </a:gs>
+              <a:gs pos="48000">
+                <a:schemeClr val="dk1">
+                  <a:lumMod val="97000"/>
+                  <a:lumOff val="3000"/>
+                </a:schemeClr>
+              </a:gs>
+              <a:gs pos="100000">
+                <a:schemeClr val="dk1">
+                  <a:lumMod val="60000"/>
+                  <a:lumOff val="40000"/>
+                </a:schemeClr>
+              </a:gs>
+            </a:gsLst>
+            <a:lin ang="16200000" scaled="1"/>
+            <a:tileRect/>
+          </a:gradFill>
+          <a:ln>
+            <a:noFill/>
+          </a:ln>
+        </p:spPr>
+        <p:style>
+          <a:lnRef idx="0">
+            <a:scrgbClr r="0" g="0" b="0"/>
+          </a:lnRef>
+          <a:fillRef idx="0">
+            <a:scrgbClr r="0" g="0" b="0"/>
+          </a:fillRef>
+          <a:effectRef idx="0">
+            <a:scrgbClr r="0" g="0" b="0"/>
+          </a:effectRef>
+          <a:fontRef idx="minor">
+            <a:schemeClr val="lt1"/>
+          </a:fontRef>
+        </p:style>
+        <p:txBody>
+          <a:bodyPr rtlCol="0" anchor="ctr"/>
+          <a:lstStyle/>
+          <a:p>
+            <a:pPr algn="ctr"/>
+            <a:endParaRPr lang="en-US"/>
+          </a:p>
+        </p:txBody>
+      </p:sp>
+      <p:sp>
+        <p:nvSpPr>
+          <p:cNvPr id="34" name="Oval 33">
+            <a:extLst>
+              <a:ext uri="{FF2B5EF4-FFF2-40B4-BE49-F238E27FC236}">
+                <a16:creationId xmlns:a16="http://schemas.microsoft.com/office/drawing/2014/main" id="{EA48A1C2-EF97-4EC8-A889-DD9BE94D4FC1}"/>
+              </a:ext>
+            </a:extLst>
+          </p:cNvPr>
+          <p:cNvSpPr/>
+          <p:nvPr/>
+        </p:nvSpPr>
+        <p:spPr>
+          <a:xfrm>
+            <a:off x="7686551" y="3445677"/>
+            <a:ext cx="421315" cy="421315"/>
+          </a:xfrm>
+          <a:prstGeom prst="ellipse">
+            <a:avLst/>
+          </a:prstGeom>
+          <a:gradFill flip="none" rotWithShape="1">
+            <a:gsLst>
+              <a:gs pos="0">
+                <a:schemeClr val="accent4">
+                  <a:lumMod val="67000"/>
+                </a:schemeClr>
+              </a:gs>
+              <a:gs pos="48000">
+                <a:schemeClr val="accent4">
+                  <a:lumMod val="97000"/>
+                  <a:lumOff val="3000"/>
+                </a:schemeClr>
+              </a:gs>
+              <a:gs pos="100000">
+                <a:schemeClr val="accent4">
+                  <a:lumMod val="60000"/>
+                  <a:lumOff val="40000"/>
+                </a:schemeClr>
+              </a:gs>
+            </a:gsLst>
+            <a:lin ang="16200000" scaled="1"/>
+            <a:tileRect/>
+          </a:gradFill>
+          <a:ln>
+            <a:noFill/>
+          </a:ln>
+        </p:spPr>
+        <p:style>
+          <a:lnRef idx="0">
+            <a:scrgbClr r="0" g="0" b="0"/>
+          </a:lnRef>
+          <a:fillRef idx="0">
+            <a:scrgbClr r="0" g="0" b="0"/>
+          </a:fillRef>
+          <a:effectRef idx="0">
+            <a:scrgbClr r="0" g="0" b="0"/>
+          </a:effectRef>
+          <a:fontRef idx="minor">
+            <a:schemeClr val="lt1"/>
+          </a:fontRef>
+        </p:style>
+        <p:txBody>
+          <a:bodyPr rtlCol="0" anchor="ctr"/>
+          <a:lstStyle/>
+          <a:p>
+            <a:pPr algn="ctr"/>
+            <a:endParaRPr lang="en-US"/>
+          </a:p>
+        </p:txBody>
+      </p:sp>
+      <p:sp>
+        <p:nvSpPr>
+          <p:cNvPr id="37" name="Oval 36">
+            <a:extLst>
+              <a:ext uri="{FF2B5EF4-FFF2-40B4-BE49-F238E27FC236}">
+                <a16:creationId xmlns:a16="http://schemas.microsoft.com/office/drawing/2014/main" id="{6A4457B6-755D-485D-8545-A14E88C38F85}"/>
+              </a:ext>
+            </a:extLst>
+          </p:cNvPr>
+          <p:cNvSpPr/>
+          <p:nvPr/>
+        </p:nvSpPr>
+        <p:spPr>
+          <a:xfrm>
+            <a:off x="7890316" y="3481449"/>
+            <a:ext cx="421315" cy="421315"/>
+          </a:xfrm>
+          <a:prstGeom prst="ellipse">
+            <a:avLst/>
+          </a:prstGeom>
+          <a:gradFill flip="none" rotWithShape="1">
+            <a:gsLst>
+              <a:gs pos="0">
+                <a:schemeClr val="accent5">
+                  <a:lumMod val="67000"/>
+                </a:schemeClr>
+              </a:gs>
+              <a:gs pos="48000">
+                <a:schemeClr val="accent5">
+                  <a:lumMod val="97000"/>
+                  <a:lumOff val="3000"/>
+                </a:schemeClr>
+              </a:gs>
+              <a:gs pos="100000">
+                <a:schemeClr val="accent5">
+                  <a:lumMod val="60000"/>
+                  <a:lumOff val="40000"/>
+                </a:schemeClr>
+              </a:gs>
+            </a:gsLst>
+            <a:lin ang="16200000" scaled="1"/>
+            <a:tileRect/>
+          </a:gradFill>
+          <a:ln>
+            <a:noFill/>
+          </a:ln>
+        </p:spPr>
+        <p:style>
+          <a:lnRef idx="0">
+            <a:scrgbClr r="0" g="0" b="0"/>
+          </a:lnRef>
+          <a:fillRef idx="0">
+            <a:scrgbClr r="0" g="0" b="0"/>
+          </a:fillRef>
+          <a:effectRef idx="0">
+            <a:scrgbClr r="0" g="0" b="0"/>
+          </a:effectRef>
+          <a:fontRef idx="minor">
+            <a:schemeClr val="lt1"/>
+          </a:fontRef>
+        </p:style>
+        <p:txBody>
+          <a:bodyPr rtlCol="0" anchor="ctr"/>
+          <a:lstStyle/>
+          <a:p>
+            <a:pPr algn="ctr"/>
+            <a:endParaRPr lang="en-US"/>
+          </a:p>
+        </p:txBody>
+      </p:sp>
+      <p:sp>
+        <p:nvSpPr>
+          <p:cNvPr id="26" name="Explosion: 8 Points 25">
+            <a:extLst>
+              <a:ext uri="{FF2B5EF4-FFF2-40B4-BE49-F238E27FC236}">
+                <a16:creationId xmlns:a16="http://schemas.microsoft.com/office/drawing/2014/main" id="{0F954759-7449-461D-B06F-3E228CC4C743}"/>
+              </a:ext>
+            </a:extLst>
+          </p:cNvPr>
+          <p:cNvSpPr/>
+          <p:nvPr/>
+        </p:nvSpPr>
+        <p:spPr>
+          <a:xfrm>
+            <a:off x="751438" y="4927667"/>
+            <a:ext cx="2600813" cy="1289150"/>
+          </a:xfrm>
+          <a:prstGeom prst="irregularSeal1">
+            <a:avLst/>
+          </a:prstGeom>
+        </p:spPr>
+        <p:style>
+          <a:lnRef idx="0">
+            <a:schemeClr val="accent4"/>
+          </a:lnRef>
+          <a:fillRef idx="3">
+            <a:schemeClr val="accent4"/>
+          </a:fillRef>
+          <a:effectRef idx="3">
+            <a:schemeClr val="accent4"/>
+          </a:effectRef>
+          <a:fontRef idx="minor">
+            <a:schemeClr val="lt1"/>
+          </a:fontRef>
+        </p:style>
+        <p:txBody>
+          <a:bodyPr rtlCol="0" anchor="ctr"/>
+          <a:lstStyle/>
+          <a:p>
+            <a:pPr algn="ctr"/>
+            <a:endParaRPr lang="en-US"/>
+          </a:p>
+        </p:txBody>
+      </p:sp>
+      <p:sp>
+        <p:nvSpPr>
+          <p:cNvPr id="32" name="Star: 16 Points 31">
+            <a:extLst>
+              <a:ext uri="{FF2B5EF4-FFF2-40B4-BE49-F238E27FC236}">
+                <a16:creationId xmlns:a16="http://schemas.microsoft.com/office/drawing/2014/main" id="{68D70BA5-CF80-4629-9F43-3CD98681B3F3}"/>
+              </a:ext>
+            </a:extLst>
+          </p:cNvPr>
+          <p:cNvSpPr/>
+          <p:nvPr/>
+        </p:nvSpPr>
+        <p:spPr>
+          <a:xfrm>
+            <a:off x="7847423" y="3805733"/>
+            <a:ext cx="2404730" cy="1333054"/>
+          </a:xfrm>
+          <a:prstGeom prst="star16">
+            <a:avLst/>
+          </a:prstGeom>
+        </p:spPr>
+        <p:style>
+          <a:lnRef idx="3">
+            <a:schemeClr val="lt1"/>
+          </a:lnRef>
+          <a:fillRef idx="1">
+            <a:schemeClr val="accent4"/>
+          </a:fillRef>
+          <a:effectRef idx="1">
+            <a:schemeClr val="accent4"/>
+          </a:effectRef>
+          <a:fontRef idx="minor">
+            <a:schemeClr val="lt1"/>
+          </a:fontRef>
+        </p:style>
+        <p:txBody>
+          <a:bodyPr rtlCol="0" anchor="ctr"/>
+          <a:lstStyle/>
+          <a:p>
+            <a:pPr algn="ctr"/>
+            <a:endParaRPr lang="en-US"/>
+          </a:p>
+        </p:txBody>
+      </p:sp>
     </p:spTree>
     <p:extLst>
       <p:ext uri="{BB962C8B-B14F-4D97-AF65-F5344CB8AC3E}">
